--- a/PM.overview/PMBoK 5 Brief Overview -- Oleksiy Rudenko -- 150412.pptx
+++ b/PM.overview/PMBoK 5 Brief Overview -- Oleksiy Rudenko -- 150412.pptx
@@ -5,7 +5,7 @@
     <p:sldMasterId id="2147483648" r:id="rId1"/>
   </p:sldMasterIdLst>
   <p:notesMasterIdLst>
-    <p:notesMasterId r:id="rId17"/>
+    <p:notesMasterId r:id="rId20"/>
   </p:notesMasterIdLst>
   <p:sldIdLst>
     <p:sldId id="256" r:id="rId2"/>
@@ -23,6 +23,9 @@
     <p:sldId id="271" r:id="rId14"/>
     <p:sldId id="270" r:id="rId15"/>
     <p:sldId id="272" r:id="rId16"/>
+    <p:sldId id="274" r:id="rId17"/>
+    <p:sldId id="275" r:id="rId18"/>
+    <p:sldId id="276" r:id="rId19"/>
   </p:sldIdLst>
   <p:sldSz cx="9144000" cy="6858000" type="screen4x3"/>
   <p:notesSz cx="6858000" cy="9144000"/>
@@ -123,7 +126,7 @@
   </p:defaultTextStyle>
   <p:extLst>
     <p:ext uri="{EFAFB233-063F-42B5-8137-9DF3F51BA10A}">
-      <p15:sldGuideLst xmlns:p15="http://schemas.microsoft.com/office/powerpoint/2012/main">
+      <p15:sldGuideLst xmlns:p15="http://schemas.microsoft.com/office/powerpoint/2012/main" xmlns="">
         <p15:guide id="1" orient="horz" pos="2160">
           <p15:clr>
             <a:srgbClr val="A4A3A4"/>
@@ -222,7 +225,8 @@
           <a:p>
             <a:fld id="{E8702937-2E79-4947-A219-566CD1B367D7}" type="datetimeFigureOut">
               <a:rPr lang="uk-UA" smtClean="0"/>
-              <a:t>12.04.2015</a:t>
+              <a:pPr/>
+              <a:t>16.04.2015</a:t>
             </a:fld>
             <a:endParaRPr lang="uk-UA"/>
           </a:p>
@@ -381,6 +385,7 @@
           <a:p>
             <a:fld id="{E84879D1-F401-4502-B092-012B5F2D6744}" type="slidenum">
               <a:rPr lang="uk-UA" smtClean="0"/>
+              <a:pPr/>
               <a:t>‹#›</a:t>
             </a:fld>
             <a:endParaRPr lang="uk-UA"/>
@@ -390,7 +395,7 @@
     </p:spTree>
     <p:extLst>
       <p:ext uri="{BB962C8B-B14F-4D97-AF65-F5344CB8AC3E}">
-        <p14:creationId xmlns:p14="http://schemas.microsoft.com/office/powerpoint/2010/main" val="2526714291"/>
+        <p14:creationId xmlns:p14="http://schemas.microsoft.com/office/powerpoint/2010/main" xmlns="" val="2526714291"/>
       </p:ext>
     </p:extLst>
   </p:cSld>
@@ -555,6 +560,7 @@
           <a:p>
             <a:fld id="{E84879D1-F401-4502-B092-012B5F2D6744}" type="slidenum">
               <a:rPr lang="uk-UA" smtClean="0"/>
+              <a:pPr/>
               <a:t>1</a:t>
             </a:fld>
             <a:endParaRPr lang="uk-UA"/>
@@ -564,7 +570,7 @@
     </p:spTree>
     <p:extLst>
       <p:ext uri="{BB962C8B-B14F-4D97-AF65-F5344CB8AC3E}">
-        <p14:creationId xmlns:p14="http://schemas.microsoft.com/office/powerpoint/2010/main" val="87390378"/>
+        <p14:creationId xmlns:p14="http://schemas.microsoft.com/office/powerpoint/2010/main" xmlns="" val="87390378"/>
       </p:ext>
     </p:extLst>
   </p:cSld>
@@ -648,7 +654,8 @@
           <a:p>
             <a:fld id="{B4C71EC6-210F-42DE-9C53-41977AD35B3D}" type="datetimeFigureOut">
               <a:rPr lang="ru-RU" smtClean="0"/>
-              <a:t>12.04.2015</a:t>
+              <a:pPr/>
+              <a:t>16.04.2015</a:t>
             </a:fld>
             <a:endParaRPr lang="ru-RU"/>
           </a:p>
@@ -690,6 +697,7 @@
           <a:p>
             <a:fld id="{B19B0651-EE4F-4900-A07F-96A6BFA9D0F0}" type="slidenum">
               <a:rPr lang="ru-RU" smtClean="0"/>
+              <a:pPr/>
               <a:t>‹#›</a:t>
             </a:fld>
             <a:endParaRPr lang="ru-RU"/>
@@ -729,7 +737,7 @@
     </p:spTree>
     <p:extLst>
       <p:ext uri="{BB962C8B-B14F-4D97-AF65-F5344CB8AC3E}">
-        <p14:creationId xmlns:p14="http://schemas.microsoft.com/office/powerpoint/2010/main" val="1206050278"/>
+        <p14:creationId xmlns:p14="http://schemas.microsoft.com/office/powerpoint/2010/main" xmlns="" val="1206050278"/>
       </p:ext>
     </p:extLst>
   </p:cSld>
@@ -938,7 +946,8 @@
           <a:p>
             <a:fld id="{B4C71EC6-210F-42DE-9C53-41977AD35B3D}" type="datetimeFigureOut">
               <a:rPr lang="ru-RU" smtClean="0"/>
-              <a:t>12.04.2015</a:t>
+              <a:pPr/>
+              <a:t>16.04.2015</a:t>
             </a:fld>
             <a:endParaRPr lang="ru-RU"/>
           </a:p>
@@ -980,6 +989,7 @@
           <a:p>
             <a:fld id="{B19B0651-EE4F-4900-A07F-96A6BFA9D0F0}" type="slidenum">
               <a:rPr lang="ru-RU" smtClean="0"/>
+              <a:pPr/>
               <a:t>‹#›</a:t>
             </a:fld>
             <a:endParaRPr lang="ru-RU"/>
@@ -1103,7 +1113,8 @@
           <a:p>
             <a:fld id="{B4C71EC6-210F-42DE-9C53-41977AD35B3D}" type="datetimeFigureOut">
               <a:rPr lang="ru-RU" smtClean="0"/>
-              <a:t>12.04.2015</a:t>
+              <a:pPr/>
+              <a:t>16.04.2015</a:t>
             </a:fld>
             <a:endParaRPr lang="ru-RU"/>
           </a:p>
@@ -1145,6 +1156,7 @@
           <a:p>
             <a:fld id="{B19B0651-EE4F-4900-A07F-96A6BFA9D0F0}" type="slidenum">
               <a:rPr lang="ru-RU" smtClean="0"/>
+              <a:pPr/>
               <a:t>‹#›</a:t>
             </a:fld>
             <a:endParaRPr lang="ru-RU"/>
@@ -1278,7 +1290,8 @@
           <a:p>
             <a:fld id="{B4C71EC6-210F-42DE-9C53-41977AD35B3D}" type="datetimeFigureOut">
               <a:rPr lang="ru-RU" smtClean="0"/>
-              <a:t>12.04.2015</a:t>
+              <a:pPr/>
+              <a:t>16.04.2015</a:t>
             </a:fld>
             <a:endParaRPr lang="ru-RU"/>
           </a:p>
@@ -1320,6 +1333,7 @@
           <a:p>
             <a:fld id="{B19B0651-EE4F-4900-A07F-96A6BFA9D0F0}" type="slidenum">
               <a:rPr lang="ru-RU" smtClean="0"/>
+              <a:pPr/>
               <a:t>‹#›</a:t>
             </a:fld>
             <a:endParaRPr lang="ru-RU"/>
@@ -1515,7 +1529,8 @@
           <a:p>
             <a:fld id="{B4C71EC6-210F-42DE-9C53-41977AD35B3D}" type="datetimeFigureOut">
               <a:rPr lang="ru-RU" smtClean="0"/>
-              <a:t>12.04.2015</a:t>
+              <a:pPr/>
+              <a:t>16.04.2015</a:t>
             </a:fld>
             <a:endParaRPr lang="ru-RU"/>
           </a:p>
@@ -1557,6 +1572,7 @@
           <a:p>
             <a:fld id="{B19B0651-EE4F-4900-A07F-96A6BFA9D0F0}" type="slidenum">
               <a:rPr lang="ru-RU" smtClean="0"/>
+              <a:pPr/>
               <a:t>‹#›</a:t>
             </a:fld>
             <a:endParaRPr lang="ru-RU"/>
@@ -1687,7 +1703,8 @@
           <a:p>
             <a:fld id="{B4C71EC6-210F-42DE-9C53-41977AD35B3D}" type="datetimeFigureOut">
               <a:rPr lang="ru-RU" smtClean="0"/>
-              <a:t>12.04.2015</a:t>
+              <a:pPr/>
+              <a:t>16.04.2015</a:t>
             </a:fld>
             <a:endParaRPr lang="ru-RU"/>
           </a:p>
@@ -1729,6 +1746,7 @@
           <a:p>
             <a:fld id="{B19B0651-EE4F-4900-A07F-96A6BFA9D0F0}" type="slidenum">
               <a:rPr lang="ru-RU" smtClean="0"/>
+              <a:pPr/>
               <a:t>‹#›</a:t>
             </a:fld>
             <a:endParaRPr lang="ru-RU"/>
@@ -1935,7 +1953,8 @@
           <a:p>
             <a:fld id="{B4C71EC6-210F-42DE-9C53-41977AD35B3D}" type="datetimeFigureOut">
               <a:rPr lang="ru-RU" smtClean="0"/>
-              <a:t>12.04.2015</a:t>
+              <a:pPr/>
+              <a:t>16.04.2015</a:t>
             </a:fld>
             <a:endParaRPr lang="ru-RU"/>
           </a:p>
@@ -1977,6 +1996,7 @@
           <a:p>
             <a:fld id="{B19B0651-EE4F-4900-A07F-96A6BFA9D0F0}" type="slidenum">
               <a:rPr lang="ru-RU" smtClean="0"/>
+              <a:pPr/>
               <a:t>‹#›</a:t>
             </a:fld>
             <a:endParaRPr lang="ru-RU"/>
@@ -2218,7 +2238,8 @@
           <a:p>
             <a:fld id="{B4C71EC6-210F-42DE-9C53-41977AD35B3D}" type="datetimeFigureOut">
               <a:rPr lang="ru-RU" smtClean="0"/>
-              <a:t>12.04.2015</a:t>
+              <a:pPr/>
+              <a:t>16.04.2015</a:t>
             </a:fld>
             <a:endParaRPr lang="ru-RU"/>
           </a:p>
@@ -2260,6 +2281,7 @@
           <a:p>
             <a:fld id="{B19B0651-EE4F-4900-A07F-96A6BFA9D0F0}" type="slidenum">
               <a:rPr lang="ru-RU" smtClean="0"/>
+              <a:pPr/>
               <a:t>‹#›</a:t>
             </a:fld>
             <a:endParaRPr lang="ru-RU"/>
@@ -2635,7 +2657,8 @@
           <a:p>
             <a:fld id="{B4C71EC6-210F-42DE-9C53-41977AD35B3D}" type="datetimeFigureOut">
               <a:rPr lang="ru-RU" smtClean="0"/>
-              <a:t>12.04.2015</a:t>
+              <a:pPr/>
+              <a:t>16.04.2015</a:t>
             </a:fld>
             <a:endParaRPr lang="ru-RU"/>
           </a:p>
@@ -2677,6 +2700,7 @@
           <a:p>
             <a:fld id="{B19B0651-EE4F-4900-A07F-96A6BFA9D0F0}" type="slidenum">
               <a:rPr lang="ru-RU" smtClean="0"/>
+              <a:pPr/>
               <a:t>‹#›</a:t>
             </a:fld>
             <a:endParaRPr lang="ru-RU"/>
@@ -2748,7 +2772,8 @@
           <a:p>
             <a:fld id="{B4C71EC6-210F-42DE-9C53-41977AD35B3D}" type="datetimeFigureOut">
               <a:rPr lang="ru-RU" smtClean="0"/>
-              <a:t>12.04.2015</a:t>
+              <a:pPr/>
+              <a:t>16.04.2015</a:t>
             </a:fld>
             <a:endParaRPr lang="ru-RU"/>
           </a:p>
@@ -2790,6 +2815,7 @@
           <a:p>
             <a:fld id="{B19B0651-EE4F-4900-A07F-96A6BFA9D0F0}" type="slidenum">
               <a:rPr lang="ru-RU" smtClean="0"/>
+              <a:pPr/>
               <a:t>‹#›</a:t>
             </a:fld>
             <a:endParaRPr lang="ru-RU"/>
@@ -2838,7 +2864,8 @@
           <a:p>
             <a:fld id="{B4C71EC6-210F-42DE-9C53-41977AD35B3D}" type="datetimeFigureOut">
               <a:rPr lang="ru-RU" smtClean="0"/>
-              <a:t>12.04.2015</a:t>
+              <a:pPr/>
+              <a:t>16.04.2015</a:t>
             </a:fld>
             <a:endParaRPr lang="ru-RU"/>
           </a:p>
@@ -2880,6 +2907,7 @@
           <a:p>
             <a:fld id="{B19B0651-EE4F-4900-A07F-96A6BFA9D0F0}" type="slidenum">
               <a:rPr lang="ru-RU" smtClean="0"/>
+              <a:pPr/>
               <a:t>‹#›</a:t>
             </a:fld>
             <a:endParaRPr lang="ru-RU"/>
@@ -3117,7 +3145,8 @@
           <a:p>
             <a:fld id="{B4C71EC6-210F-42DE-9C53-41977AD35B3D}" type="datetimeFigureOut">
               <a:rPr lang="ru-RU" smtClean="0"/>
-              <a:t>12.04.2015</a:t>
+              <a:pPr/>
+              <a:t>16.04.2015</a:t>
             </a:fld>
             <a:endParaRPr lang="ru-RU"/>
           </a:p>
@@ -3159,6 +3188,7 @@
           <a:p>
             <a:fld id="{B19B0651-EE4F-4900-A07F-96A6BFA9D0F0}" type="slidenum">
               <a:rPr lang="ru-RU" smtClean="0"/>
+              <a:pPr/>
               <a:t>‹#›</a:t>
             </a:fld>
             <a:endParaRPr lang="ru-RU"/>
@@ -3330,7 +3360,8 @@
           <a:p>
             <a:fld id="{B4C71EC6-210F-42DE-9C53-41977AD35B3D}" type="datetimeFigureOut">
               <a:rPr lang="ru-RU" smtClean="0"/>
-              <a:t>12.04.2015</a:t>
+              <a:pPr/>
+              <a:t>16.04.2015</a:t>
             </a:fld>
             <a:endParaRPr lang="ru-RU"/>
           </a:p>
@@ -3408,6 +3439,7 @@
           <a:p>
             <a:fld id="{B19B0651-EE4F-4900-A07F-96A6BFA9D0F0}" type="slidenum">
               <a:rPr lang="ru-RU" smtClean="0"/>
+              <a:pPr/>
               <a:t>‹#›</a:t>
             </a:fld>
             <a:endParaRPr lang="ru-RU"/>
@@ -3786,8 +3818,15 @@
                 <a:latin typeface="Arial" panose="020B0604020202020204" pitchFamily="34" charset="0"/>
                 <a:cs typeface="Arial" panose="020B0604020202020204" pitchFamily="34" charset="0"/>
               </a:rPr>
-              <a:t>Brief Overview.</a:t>
+              <a:t>Process Flow Perspective</a:t>
             </a:r>
+            <a:endParaRPr lang="uk-UA" dirty="0" smtClean="0">
+              <a:solidFill>
+                <a:srgbClr val="00B0F0"/>
+              </a:solidFill>
+              <a:latin typeface="Arial" panose="020B0604020202020204" pitchFamily="34" charset="0"/>
+              <a:cs typeface="Arial" panose="020B0604020202020204" pitchFamily="34" charset="0"/>
+            </a:endParaRPr>
           </a:p>
           <a:p>
             <a:r>
@@ -3798,9 +3837,9 @@
                 <a:latin typeface="Arial" panose="020B0604020202020204" pitchFamily="34" charset="0"/>
                 <a:cs typeface="Arial" panose="020B0604020202020204" pitchFamily="34" charset="0"/>
               </a:rPr>
-              <a:t>Process Flow Perspective.</a:t>
+              <a:t>Cheat-sheet &amp; tools</a:t>
             </a:r>
-            <a:endParaRPr lang="uk-UA" dirty="0">
+            <a:endParaRPr lang="en-US" dirty="0" smtClean="0">
               <a:solidFill>
                 <a:srgbClr val="00B0F0"/>
               </a:solidFill>
@@ -4638,7 +4677,7 @@
     </p:spTree>
     <p:extLst>
       <p:ext uri="{BB962C8B-B14F-4D97-AF65-F5344CB8AC3E}">
-        <p14:creationId xmlns:p14="http://schemas.microsoft.com/office/powerpoint/2010/main" val="810987470"/>
+        <p14:creationId xmlns:p14="http://schemas.microsoft.com/office/powerpoint/2010/main" xmlns="" val="810987470"/>
       </p:ext>
     </p:extLst>
   </p:cSld>
@@ -7951,7 +7990,7 @@
     </p:spTree>
     <p:extLst>
       <p:ext uri="{BB962C8B-B14F-4D97-AF65-F5344CB8AC3E}">
-        <p14:creationId xmlns:p14="http://schemas.microsoft.com/office/powerpoint/2010/main" val="1633822352"/>
+        <p14:creationId xmlns:p14="http://schemas.microsoft.com/office/powerpoint/2010/main" xmlns="" val="1633822352"/>
       </p:ext>
     </p:extLst>
   </p:cSld>
@@ -10507,7 +10546,7 @@
     </p:spTree>
     <p:extLst>
       <p:ext uri="{BB962C8B-B14F-4D97-AF65-F5344CB8AC3E}">
-        <p14:creationId xmlns:p14="http://schemas.microsoft.com/office/powerpoint/2010/main" val="3511099636"/>
+        <p14:creationId xmlns:p14="http://schemas.microsoft.com/office/powerpoint/2010/main" xmlns="" val="3511099636"/>
       </p:ext>
     </p:extLst>
   </p:cSld>
@@ -13246,7 +13285,7 @@
     </p:spTree>
     <p:extLst>
       <p:ext uri="{BB962C8B-B14F-4D97-AF65-F5344CB8AC3E}">
-        <p14:creationId xmlns:p14="http://schemas.microsoft.com/office/powerpoint/2010/main" val="1209133815"/>
+        <p14:creationId xmlns:p14="http://schemas.microsoft.com/office/powerpoint/2010/main" xmlns="" val="1209133815"/>
       </p:ext>
     </p:extLst>
   </p:cSld>
@@ -14237,7 +14276,7 @@
     </p:spTree>
     <p:extLst>
       <p:ext uri="{BB962C8B-B14F-4D97-AF65-F5344CB8AC3E}">
-        <p14:creationId xmlns:p14="http://schemas.microsoft.com/office/powerpoint/2010/main" val="3968277145"/>
+        <p14:creationId xmlns:p14="http://schemas.microsoft.com/office/powerpoint/2010/main" xmlns="" val="3968277145"/>
       </p:ext>
     </p:extLst>
   </p:cSld>
@@ -14308,7 +14347,7 @@
           <p:nvPr>
             <p:extLst>
               <p:ext uri="{D42A27DB-BD31-4B8C-83A1-F6EECF244321}">
-                <p14:modId xmlns:p14="http://schemas.microsoft.com/office/powerpoint/2010/main" val="4248015792"/>
+                <p14:modId xmlns:p14="http://schemas.microsoft.com/office/powerpoint/2010/main" xmlns="" val="4248015792"/>
               </p:ext>
             </p:extLst>
           </p:nvPr>
@@ -15752,7 +15791,7 @@
           <p:nvPr>
             <p:extLst>
               <p:ext uri="{D42A27DB-BD31-4B8C-83A1-F6EECF244321}">
-                <p14:modId xmlns:p14="http://schemas.microsoft.com/office/powerpoint/2010/main" val="578830796"/>
+                <p14:modId xmlns:p14="http://schemas.microsoft.com/office/powerpoint/2010/main" xmlns="" val="578830796"/>
               </p:ext>
             </p:extLst>
           </p:nvPr>
@@ -16009,7 +16048,7 @@
     </p:spTree>
     <p:extLst>
       <p:ext uri="{BB962C8B-B14F-4D97-AF65-F5344CB8AC3E}">
-        <p14:creationId xmlns:p14="http://schemas.microsoft.com/office/powerpoint/2010/main" val="3853142391"/>
+        <p14:creationId xmlns:p14="http://schemas.microsoft.com/office/powerpoint/2010/main" xmlns="" val="3853142391"/>
       </p:ext>
     </p:extLst>
   </p:cSld>
@@ -16143,7 +16182,7 @@
           <p:nvPr>
             <p:extLst>
               <p:ext uri="{D42A27DB-BD31-4B8C-83A1-F6EECF244321}">
-                <p14:modId xmlns:p14="http://schemas.microsoft.com/office/powerpoint/2010/main" val="3392906175"/>
+                <p14:modId xmlns:p14="http://schemas.microsoft.com/office/powerpoint/2010/main" xmlns="" val="3392906175"/>
               </p:ext>
             </p:extLst>
           </p:nvPr>
@@ -16868,7 +16907,524 @@
     </p:spTree>
     <p:extLst>
       <p:ext uri="{BB962C8B-B14F-4D97-AF65-F5344CB8AC3E}">
-        <p14:creationId xmlns:p14="http://schemas.microsoft.com/office/powerpoint/2010/main" val="1016822322"/>
+        <p14:creationId xmlns:p14="http://schemas.microsoft.com/office/powerpoint/2010/main" xmlns="" val="1016822322"/>
+      </p:ext>
+    </p:extLst>
+  </p:cSld>
+  <p:clrMapOvr>
+    <a:masterClrMapping/>
+  </p:clrMapOvr>
+  <p:transition>
+    <p:fade/>
+  </p:transition>
+  <p:timing>
+    <p:tnLst>
+      <p:par>
+        <p:cTn id="1" dur="indefinite" restart="never" nodeType="tmRoot"/>
+      </p:par>
+    </p:tnLst>
+  </p:timing>
+</p:sld>
+</file>
+
+<file path=ppt/slides/slide16.xml><?xml version="1.0" encoding="utf-8"?>
+<p:sld xmlns:a="http://schemas.openxmlformats.org/drawingml/2006/main" xmlns:r="http://schemas.openxmlformats.org/officeDocument/2006/relationships" xmlns:p="http://schemas.openxmlformats.org/presentationml/2006/main">
+  <p:cSld>
+    <p:spTree>
+      <p:nvGrpSpPr>
+        <p:cNvPr id="1" name=""/>
+        <p:cNvGrpSpPr/>
+        <p:nvPr/>
+      </p:nvGrpSpPr>
+      <p:grpSpPr>
+        <a:xfrm>
+          <a:off x="0" y="0"/>
+          <a:ext cx="0" cy="0"/>
+          <a:chOff x="0" y="0"/>
+          <a:chExt cx="0" cy="0"/>
+        </a:xfrm>
+      </p:grpSpPr>
+      <p:sp>
+        <p:nvSpPr>
+          <p:cNvPr id="2" name="Заголовок 1"/>
+          <p:cNvSpPr>
+            <a:spLocks noGrp="1"/>
+          </p:cNvSpPr>
+          <p:nvPr>
+            <p:ph type="title"/>
+          </p:nvPr>
+        </p:nvSpPr>
+        <p:spPr/>
+        <p:txBody>
+          <a:bodyPr>
+            <a:normAutofit fontScale="90000"/>
+          </a:bodyPr>
+          <a:lstStyle/>
+          <a:p>
+            <a:r>
+              <a:rPr lang="en-US" dirty="0" smtClean="0"/>
+              <a:t>Check list</a:t>
+            </a:r>
+            <a:endParaRPr lang="uk-UA" dirty="0"/>
+          </a:p>
+        </p:txBody>
+      </p:sp>
+    </p:spTree>
+    <p:extLst>
+      <p:ext uri="{BB962C8B-B14F-4D97-AF65-F5344CB8AC3E}">
+        <p14:creationId xmlns:p14="http://schemas.microsoft.com/office/powerpoint/2010/main" xmlns="" val="1016822322"/>
+      </p:ext>
+    </p:extLst>
+  </p:cSld>
+  <p:clrMapOvr>
+    <a:masterClrMapping/>
+  </p:clrMapOvr>
+  <p:transition>
+    <p:fade/>
+  </p:transition>
+  <p:timing>
+    <p:tnLst>
+      <p:par>
+        <p:cTn id="1" dur="indefinite" restart="never" nodeType="tmRoot"/>
+      </p:par>
+    </p:tnLst>
+  </p:timing>
+</p:sld>
+</file>
+
+<file path=ppt/slides/slide17.xml><?xml version="1.0" encoding="utf-8"?>
+<p:sld xmlns:a="http://schemas.openxmlformats.org/drawingml/2006/main" xmlns:r="http://schemas.openxmlformats.org/officeDocument/2006/relationships" xmlns:p="http://schemas.openxmlformats.org/presentationml/2006/main">
+  <p:cSld>
+    <p:spTree>
+      <p:nvGrpSpPr>
+        <p:cNvPr id="1" name=""/>
+        <p:cNvGrpSpPr/>
+        <p:nvPr/>
+      </p:nvGrpSpPr>
+      <p:grpSpPr>
+        <a:xfrm>
+          <a:off x="0" y="0"/>
+          <a:ext cx="0" cy="0"/>
+          <a:chOff x="0" y="0"/>
+          <a:chExt cx="0" cy="0"/>
+        </a:xfrm>
+      </p:grpSpPr>
+      <p:sp>
+        <p:nvSpPr>
+          <p:cNvPr id="2" name="Заголовок 1"/>
+          <p:cNvSpPr>
+            <a:spLocks noGrp="1"/>
+          </p:cNvSpPr>
+          <p:nvPr>
+            <p:ph type="title"/>
+          </p:nvPr>
+        </p:nvSpPr>
+        <p:spPr/>
+        <p:txBody>
+          <a:bodyPr>
+            <a:normAutofit fontScale="90000"/>
+          </a:bodyPr>
+          <a:lstStyle/>
+          <a:p>
+            <a:r>
+              <a:rPr lang="en-US" dirty="0" smtClean="0"/>
+              <a:t>Useful sources</a:t>
+            </a:r>
+            <a:endParaRPr lang="uk-UA" dirty="0"/>
+          </a:p>
+        </p:txBody>
+      </p:sp>
+      <p:sp>
+        <p:nvSpPr>
+          <p:cNvPr id="4" name="Rectangle 3"/>
+          <p:cNvSpPr/>
+          <p:nvPr/>
+        </p:nvSpPr>
+        <p:spPr>
+          <a:xfrm>
+            <a:off x="457200" y="1196752"/>
+            <a:ext cx="8075240" cy="2088232"/>
+          </a:xfrm>
+          <a:prstGeom prst="rect">
+            <a:avLst/>
+          </a:prstGeom>
+          <a:solidFill>
+            <a:schemeClr val="bg1">
+              <a:lumMod val="95000"/>
+            </a:schemeClr>
+          </a:solidFill>
+          <a:ln>
+            <a:noFill/>
+          </a:ln>
+        </p:spPr>
+        <p:style>
+          <a:lnRef idx="2">
+            <a:schemeClr val="accent1">
+              <a:shade val="50000"/>
+            </a:schemeClr>
+          </a:lnRef>
+          <a:fillRef idx="1">
+            <a:schemeClr val="accent1"/>
+          </a:fillRef>
+          <a:effectRef idx="0">
+            <a:schemeClr val="accent1"/>
+          </a:effectRef>
+          <a:fontRef idx="minor">
+            <a:schemeClr val="lt1"/>
+          </a:fontRef>
+        </p:style>
+        <p:txBody>
+          <a:bodyPr rot="0" spcFirstLastPara="0" vertOverflow="overflow" horzOverflow="overflow" vert="horz" wrap="square" lIns="91440" tIns="45720" rIns="91440" bIns="45720" numCol="1" spcCol="0" rtlCol="0" fromWordArt="0" anchor="t" anchorCtr="0" forceAA="0" compatLnSpc="1">
+            <a:prstTxWarp prst="textNoShape">
+              <a:avLst/>
+            </a:prstTxWarp>
+            <a:noAutofit/>
+          </a:bodyPr>
+          <a:lstStyle/>
+          <a:p>
+            <a:pPr marL="342900" indent="-342900" algn="just">
+              <a:buAutoNum type="arabicPeriod"/>
+            </a:pPr>
+            <a:r>
+              <a:rPr lang="en-US" dirty="0" smtClean="0">
+                <a:solidFill>
+                  <a:srgbClr val="0070C0"/>
+                </a:solidFill>
+                <a:latin typeface="Arial" panose="020B0604020202020204" pitchFamily="34" charset="0"/>
+                <a:cs typeface="Arial" panose="020B0604020202020204" pitchFamily="34" charset="0"/>
+              </a:rPr>
+              <a:t>A Guide to the Project Management Body of Knowledge, 5</a:t>
+            </a:r>
+            <a:r>
+              <a:rPr lang="en-US" baseline="30000" dirty="0" smtClean="0">
+                <a:solidFill>
+                  <a:srgbClr val="0070C0"/>
+                </a:solidFill>
+                <a:latin typeface="Arial" panose="020B0604020202020204" pitchFamily="34" charset="0"/>
+                <a:cs typeface="Arial" panose="020B0604020202020204" pitchFamily="34" charset="0"/>
+              </a:rPr>
+              <a:t>th</a:t>
+            </a:r>
+            <a:r>
+              <a:rPr lang="en-US" dirty="0" smtClean="0">
+                <a:solidFill>
+                  <a:srgbClr val="0070C0"/>
+                </a:solidFill>
+                <a:latin typeface="Arial" panose="020B0604020202020204" pitchFamily="34" charset="0"/>
+                <a:cs typeface="Arial" panose="020B0604020202020204" pitchFamily="34" charset="0"/>
+              </a:rPr>
+              <a:t> ed. © PMI</a:t>
+            </a:r>
+          </a:p>
+          <a:p>
+            <a:pPr marL="342900" indent="-342900" algn="just">
+              <a:buAutoNum type="arabicPeriod"/>
+            </a:pPr>
+            <a:endParaRPr lang="en-US" dirty="0" smtClean="0">
+              <a:solidFill>
+                <a:srgbClr val="0070C0"/>
+              </a:solidFill>
+              <a:latin typeface="Arial" panose="020B0604020202020204" pitchFamily="34" charset="0"/>
+              <a:cs typeface="Arial" panose="020B0604020202020204" pitchFamily="34" charset="0"/>
+            </a:endParaRPr>
+          </a:p>
+          <a:p>
+            <a:pPr marL="342900" indent="-342900" algn="just">
+              <a:buFontTx/>
+              <a:buAutoNum type="arabicPeriod"/>
+            </a:pPr>
+            <a:r>
+              <a:rPr lang="en-US" dirty="0" smtClean="0">
+                <a:solidFill>
+                  <a:srgbClr val="0070C0"/>
+                </a:solidFill>
+                <a:latin typeface="Arial" panose="020B0604020202020204" pitchFamily="34" charset="0"/>
+                <a:cs typeface="Arial" panose="020B0604020202020204" pitchFamily="34" charset="0"/>
+              </a:rPr>
+              <a:t>Guide </a:t>
+            </a:r>
+            <a:r>
+              <a:rPr lang="en-US" dirty="0" smtClean="0">
+                <a:solidFill>
+                  <a:srgbClr val="0070C0"/>
+                </a:solidFill>
+                <a:latin typeface="Arial" panose="020B0604020202020204" pitchFamily="34" charset="0"/>
+                <a:cs typeface="Arial" panose="020B0604020202020204" pitchFamily="34" charset="0"/>
+              </a:rPr>
+              <a:t>to the </a:t>
+            </a:r>
+            <a:r>
+              <a:rPr lang="en-US" dirty="0" err="1" smtClean="0">
+                <a:solidFill>
+                  <a:srgbClr val="0070C0"/>
+                </a:solidFill>
+                <a:latin typeface="Arial" panose="020B0604020202020204" pitchFamily="34" charset="0"/>
+                <a:cs typeface="Arial" panose="020B0604020202020204" pitchFamily="34" charset="0"/>
+              </a:rPr>
+              <a:t>PMBoK</a:t>
+            </a:r>
+            <a:r>
+              <a:rPr lang="en-US" dirty="0" smtClean="0">
+                <a:solidFill>
+                  <a:srgbClr val="0070C0"/>
+                </a:solidFill>
+                <a:latin typeface="Arial" panose="020B0604020202020204" pitchFamily="34" charset="0"/>
+                <a:cs typeface="Arial" panose="020B0604020202020204" pitchFamily="34" charset="0"/>
+              </a:rPr>
+              <a:t> (4</a:t>
+            </a:r>
+            <a:r>
+              <a:rPr lang="en-US" baseline="30000" dirty="0" smtClean="0">
+                <a:solidFill>
+                  <a:srgbClr val="0070C0"/>
+                </a:solidFill>
+                <a:latin typeface="Arial" panose="020B0604020202020204" pitchFamily="34" charset="0"/>
+                <a:cs typeface="Arial" panose="020B0604020202020204" pitchFamily="34" charset="0"/>
+              </a:rPr>
+              <a:t>th</a:t>
+            </a:r>
+            <a:r>
+              <a:rPr lang="en-US" dirty="0" smtClean="0">
+                <a:solidFill>
+                  <a:srgbClr val="0070C0"/>
+                </a:solidFill>
+                <a:latin typeface="Arial" panose="020B0604020202020204" pitchFamily="34" charset="0"/>
+                <a:cs typeface="Arial" panose="020B0604020202020204" pitchFamily="34" charset="0"/>
+              </a:rPr>
+              <a:t> ed.) © </a:t>
+            </a:r>
+            <a:r>
+              <a:rPr lang="ru-RU" dirty="0" smtClean="0">
+                <a:solidFill>
+                  <a:srgbClr val="0070C0"/>
+                </a:solidFill>
+                <a:latin typeface="Arial" panose="020B0604020202020204" pitchFamily="34" charset="0"/>
+                <a:cs typeface="Arial" panose="020B0604020202020204" pitchFamily="34" charset="0"/>
+              </a:rPr>
+              <a:t>2009 </a:t>
+            </a:r>
+            <a:r>
+              <a:rPr lang="en-US" dirty="0" smtClean="0">
+                <a:solidFill>
+                  <a:srgbClr val="0070C0"/>
+                </a:solidFill>
+                <a:latin typeface="Arial" panose="020B0604020202020204" pitchFamily="34" charset="0"/>
+                <a:cs typeface="Arial" panose="020B0604020202020204" pitchFamily="34" charset="0"/>
+              </a:rPr>
+              <a:t>Jag </a:t>
+            </a:r>
+            <a:r>
+              <a:rPr lang="en-US" dirty="0" err="1" smtClean="0">
+                <a:solidFill>
+                  <a:srgbClr val="0070C0"/>
+                </a:solidFill>
+                <a:latin typeface="Arial" panose="020B0604020202020204" pitchFamily="34" charset="0"/>
+                <a:cs typeface="Arial" panose="020B0604020202020204" pitchFamily="34" charset="0"/>
+              </a:rPr>
+              <a:t>Venugopal</a:t>
+            </a:r>
+            <a:endParaRPr lang="en-US" dirty="0" smtClean="0">
+              <a:solidFill>
+                <a:srgbClr val="0070C0"/>
+              </a:solidFill>
+              <a:latin typeface="Arial" panose="020B0604020202020204" pitchFamily="34" charset="0"/>
+              <a:cs typeface="Arial" panose="020B0604020202020204" pitchFamily="34" charset="0"/>
+            </a:endParaRPr>
+          </a:p>
+          <a:p>
+            <a:pPr marL="342900" indent="-342900" algn="just">
+              <a:buFontTx/>
+              <a:buAutoNum type="arabicPeriod"/>
+            </a:pPr>
+            <a:endParaRPr lang="en-US" dirty="0" smtClean="0">
+              <a:solidFill>
+                <a:srgbClr val="0070C0"/>
+              </a:solidFill>
+              <a:latin typeface="Arial" panose="020B0604020202020204" pitchFamily="34" charset="0"/>
+              <a:cs typeface="Arial" panose="020B0604020202020204" pitchFamily="34" charset="0"/>
+            </a:endParaRPr>
+          </a:p>
+          <a:p>
+            <a:pPr marL="342900" indent="-342900" algn="just">
+              <a:buFontTx/>
+              <a:buAutoNum type="arabicPeriod"/>
+            </a:pPr>
+            <a:r>
+              <a:rPr lang="en-GB" dirty="0" smtClean="0">
+                <a:solidFill>
+                  <a:srgbClr val="0070C0"/>
+                </a:solidFill>
+                <a:latin typeface="Arial" panose="020B0604020202020204" pitchFamily="34" charset="0"/>
+                <a:cs typeface="Arial" panose="020B0604020202020204" pitchFamily="34" charset="0"/>
+                <a:hlinkClick r:id="rId2"/>
+              </a:rPr>
+              <a:t>http</a:t>
+            </a:r>
+            <a:r>
+              <a:rPr lang="en-GB" dirty="0" smtClean="0">
+                <a:solidFill>
+                  <a:srgbClr val="0070C0"/>
+                </a:solidFill>
+                <a:latin typeface="Arial" panose="020B0604020202020204" pitchFamily="34" charset="0"/>
+                <a:cs typeface="Arial" panose="020B0604020202020204" pitchFamily="34" charset="0"/>
+                <a:hlinkClick r:id="rId2"/>
+              </a:rPr>
+              <a:t>://</a:t>
+            </a:r>
+            <a:r>
+              <a:rPr lang="en-GB" dirty="0" smtClean="0">
+                <a:solidFill>
+                  <a:srgbClr val="0070C0"/>
+                </a:solidFill>
+                <a:latin typeface="Arial" panose="020B0604020202020204" pitchFamily="34" charset="0"/>
+                <a:cs typeface="Arial" panose="020B0604020202020204" pitchFamily="34" charset="0"/>
+                <a:hlinkClick r:id="rId2"/>
+              </a:rPr>
+              <a:t>www.pmi.org/</a:t>
+            </a:r>
+            <a:endParaRPr lang="en-GB" dirty="0" smtClean="0">
+              <a:solidFill>
+                <a:srgbClr val="0070C0"/>
+              </a:solidFill>
+              <a:latin typeface="Arial" panose="020B0604020202020204" pitchFamily="34" charset="0"/>
+              <a:cs typeface="Arial" panose="020B0604020202020204" pitchFamily="34" charset="0"/>
+            </a:endParaRPr>
+          </a:p>
+          <a:p>
+            <a:pPr marL="342900" indent="-342900" algn="just">
+              <a:buFontTx/>
+              <a:buAutoNum type="arabicPeriod"/>
+            </a:pPr>
+            <a:endParaRPr lang="en-GB" dirty="0" smtClean="0">
+              <a:solidFill>
+                <a:srgbClr val="0070C0"/>
+              </a:solidFill>
+              <a:latin typeface="Arial" panose="020B0604020202020204" pitchFamily="34" charset="0"/>
+              <a:cs typeface="Arial" panose="020B0604020202020204" pitchFamily="34" charset="0"/>
+            </a:endParaRPr>
+          </a:p>
+          <a:p>
+            <a:pPr marL="342900" indent="-342900" algn="just">
+              <a:buFontTx/>
+              <a:buAutoNum type="arabicPeriod"/>
+            </a:pPr>
+            <a:r>
+              <a:rPr lang="en-US" dirty="0" smtClean="0">
+                <a:solidFill>
+                  <a:srgbClr val="0070C0"/>
+                </a:solidFill>
+                <a:latin typeface="Arial" panose="020B0604020202020204" pitchFamily="34" charset="0"/>
+                <a:cs typeface="Arial" panose="020B0604020202020204" pitchFamily="34" charset="0"/>
+                <a:hlinkClick r:id="rId3"/>
+              </a:rPr>
+              <a:t>http</a:t>
+            </a:r>
+            <a:r>
+              <a:rPr lang="en-US" dirty="0" smtClean="0">
+                <a:solidFill>
+                  <a:srgbClr val="0070C0"/>
+                </a:solidFill>
+                <a:latin typeface="Arial" panose="020B0604020202020204" pitchFamily="34" charset="0"/>
+                <a:cs typeface="Arial" panose="020B0604020202020204" pitchFamily="34" charset="0"/>
+                <a:hlinkClick r:id="rId3"/>
+              </a:rPr>
+              <a:t>://www.projectmanagement.com</a:t>
+            </a:r>
+            <a:r>
+              <a:rPr lang="en-US" dirty="0" smtClean="0">
+                <a:solidFill>
+                  <a:srgbClr val="0070C0"/>
+                </a:solidFill>
+                <a:latin typeface="Arial" panose="020B0604020202020204" pitchFamily="34" charset="0"/>
+                <a:cs typeface="Arial" panose="020B0604020202020204" pitchFamily="34" charset="0"/>
+                <a:hlinkClick r:id="rId3"/>
+              </a:rPr>
+              <a:t>/</a:t>
+            </a:r>
+            <a:endParaRPr lang="en-US" dirty="0" smtClean="0">
+              <a:solidFill>
+                <a:srgbClr val="0070C0"/>
+              </a:solidFill>
+              <a:latin typeface="Arial" panose="020B0604020202020204" pitchFamily="34" charset="0"/>
+              <a:cs typeface="Arial" panose="020B0604020202020204" pitchFamily="34" charset="0"/>
+            </a:endParaRPr>
+          </a:p>
+          <a:p>
+            <a:pPr algn="just"/>
+            <a:endParaRPr lang="en-US" dirty="0" smtClean="0">
+              <a:solidFill>
+                <a:srgbClr val="0070C0"/>
+              </a:solidFill>
+              <a:latin typeface="Arial" panose="020B0604020202020204" pitchFamily="34" charset="0"/>
+              <a:cs typeface="Arial" panose="020B0604020202020204" pitchFamily="34" charset="0"/>
+            </a:endParaRPr>
+          </a:p>
+          <a:p>
+            <a:pPr algn="just"/>
+            <a:endParaRPr lang="en-US" sz="1200" dirty="0" smtClean="0">
+              <a:solidFill>
+                <a:srgbClr val="0070C0"/>
+              </a:solidFill>
+              <a:latin typeface="Arial" panose="020B0604020202020204" pitchFamily="34" charset="0"/>
+              <a:cs typeface="Arial" panose="020B0604020202020204" pitchFamily="34" charset="0"/>
+            </a:endParaRPr>
+          </a:p>
+          <a:p>
+            <a:pPr algn="just"/>
+            <a:endParaRPr lang="uk-UA" sz="1200" dirty="0" smtClean="0">
+              <a:solidFill>
+                <a:srgbClr val="0070C0"/>
+              </a:solidFill>
+              <a:latin typeface="Arial" panose="020B0604020202020204" pitchFamily="34" charset="0"/>
+              <a:cs typeface="Arial" panose="020B0604020202020204" pitchFamily="34" charset="0"/>
+            </a:endParaRPr>
+          </a:p>
+        </p:txBody>
+      </p:sp>
+    </p:spTree>
+    <p:extLst>
+      <p:ext uri="{BB962C8B-B14F-4D97-AF65-F5344CB8AC3E}">
+        <p14:creationId xmlns:p14="http://schemas.microsoft.com/office/powerpoint/2010/main" xmlns="" val="1016822322"/>
+      </p:ext>
+    </p:extLst>
+  </p:cSld>
+  <p:clrMapOvr>
+    <a:masterClrMapping/>
+  </p:clrMapOvr>
+  <p:transition>
+    <p:fade/>
+  </p:transition>
+  <p:timing>
+    <p:tnLst>
+      <p:par>
+        <p:cTn id="1" dur="indefinite" restart="never" nodeType="tmRoot"/>
+      </p:par>
+    </p:tnLst>
+  </p:timing>
+</p:sld>
+</file>
+
+<file path=ppt/slides/slide18.xml><?xml version="1.0" encoding="utf-8"?>
+<p:sld xmlns:a="http://schemas.openxmlformats.org/drawingml/2006/main" xmlns:r="http://schemas.openxmlformats.org/officeDocument/2006/relationships" xmlns:p="http://schemas.openxmlformats.org/presentationml/2006/main">
+  <p:cSld>
+    <p:spTree>
+      <p:nvGrpSpPr>
+        <p:cNvPr id="1" name=""/>
+        <p:cNvGrpSpPr/>
+        <p:nvPr/>
+      </p:nvGrpSpPr>
+      <p:grpSpPr>
+        <a:xfrm>
+          <a:off x="0" y="0"/>
+          <a:ext cx="0" cy="0"/>
+          <a:chOff x="0" y="0"/>
+          <a:chExt cx="0" cy="0"/>
+        </a:xfrm>
+      </p:grpSpPr>
+    </p:spTree>
+    <p:extLst>
+      <p:ext uri="{BB962C8B-B14F-4D97-AF65-F5344CB8AC3E}">
+        <p14:creationId xmlns:p14="http://schemas.microsoft.com/office/powerpoint/2010/main" xmlns="" val="1016822322"/>
       </p:ext>
     </p:extLst>
   </p:cSld>
@@ -17238,7 +17794,7 @@
           <a:p>
             <a:pPr algn="just"/>
             <a:r>
-              <a:rPr lang="en-US" dirty="0" err="1" smtClean="0">
+              <a:rPr lang="en-US" noProof="1" smtClean="0">
                 <a:solidFill>
                   <a:srgbClr val="0070C0"/>
                 </a:solidFill>
@@ -17248,7 +17804,7 @@
               <a:t>Oleksiy</a:t>
             </a:r>
             <a:r>
-              <a:rPr lang="en-US" dirty="0" smtClean="0">
+              <a:rPr lang="en-US" noProof="1" smtClean="0">
                 <a:solidFill>
                   <a:srgbClr val="0070C0"/>
                 </a:solidFill>
@@ -17258,7 +17814,7 @@
               <a:t> </a:t>
             </a:r>
             <a:r>
-              <a:rPr lang="en-US" dirty="0" err="1" smtClean="0">
+              <a:rPr lang="en-US" noProof="1" smtClean="0">
                 <a:solidFill>
                   <a:srgbClr val="0070C0"/>
                 </a:solidFill>
@@ -17267,7 +17823,7 @@
               </a:rPr>
               <a:t>Rudenko</a:t>
             </a:r>
-            <a:endParaRPr lang="en-US" dirty="0" smtClean="0">
+            <a:endParaRPr lang="en-US" noProof="1" smtClean="0">
               <a:solidFill>
                 <a:srgbClr val="0070C0"/>
               </a:solidFill>
@@ -17278,26 +17834,60 @@
           <a:p>
             <a:pPr algn="just"/>
             <a:r>
-              <a:rPr lang="en-US" dirty="0" smtClean="0">
+              <a:rPr lang="en-US" noProof="1" smtClean="0">
                 <a:solidFill>
                   <a:srgbClr val="0070C0"/>
                 </a:solidFill>
                 <a:latin typeface="Arial" panose="020B0604020202020204" pitchFamily="34" charset="0"/>
                 <a:cs typeface="Arial" panose="020B0604020202020204" pitchFamily="34" charset="0"/>
               </a:rPr>
-              <a:t>LL.M., EM, </a:t>
+              <a:t>LL.M</a:t>
             </a:r>
             <a:r>
-              <a:rPr lang="en-US" dirty="0" err="1" smtClean="0">
+              <a:rPr lang="en-US" noProof="1" smtClean="0">
                 <a:solidFill>
                   <a:srgbClr val="0070C0"/>
                 </a:solidFill>
                 <a:latin typeface="Arial" panose="020B0604020202020204" pitchFamily="34" charset="0"/>
                 <a:cs typeface="Arial" panose="020B0604020202020204" pitchFamily="34" charset="0"/>
               </a:rPr>
-              <a:t>CScM</a:t>
+              <a:t>., </a:t>
             </a:r>
-            <a:endParaRPr lang="uk-UA" dirty="0" err="1" smtClean="0">
+            <a:r>
+              <a:rPr lang="en-US" noProof="1" smtClean="0">
+                <a:solidFill>
+                  <a:srgbClr val="0070C0"/>
+                </a:solidFill>
+                <a:latin typeface="Arial" panose="020B0604020202020204" pitchFamily="34" charset="0"/>
+                <a:cs typeface="Arial" panose="020B0604020202020204" pitchFamily="34" charset="0"/>
+              </a:rPr>
+              <a:t>M.Ec.</a:t>
+            </a:r>
+          </a:p>
+          <a:p>
+            <a:pPr algn="just"/>
+            <a:endParaRPr lang="en-US" noProof="1" smtClean="0">
+              <a:solidFill>
+                <a:srgbClr val="0070C0"/>
+              </a:solidFill>
+              <a:latin typeface="Arial" panose="020B0604020202020204" pitchFamily="34" charset="0"/>
+              <a:cs typeface="Arial" panose="020B0604020202020204" pitchFamily="34" charset="0"/>
+            </a:endParaRPr>
+          </a:p>
+          <a:p>
+            <a:pPr algn="just"/>
+            <a:r>
+              <a:rPr lang="en-US" sz="1400" noProof="1" smtClean="0">
+                <a:solidFill>
+                  <a:srgbClr val="0070C0"/>
+                </a:solidFill>
+                <a:latin typeface="Arial" panose="020B0604020202020204" pitchFamily="34" charset="0"/>
+                <a:cs typeface="Arial" panose="020B0604020202020204" pitchFamily="34" charset="0"/>
+                <a:hlinkClick r:id="rId2"/>
+              </a:rPr>
+              <a:t>oleksiy.rudenko@gmail.com</a:t>
+            </a:r>
+            <a:endParaRPr lang="en-US" sz="1400" noProof="1" smtClean="0">
               <a:solidFill>
                 <a:srgbClr val="0070C0"/>
               </a:solidFill>
@@ -17307,174 +17897,10 @@
           </a:p>
         </p:txBody>
       </p:sp>
-      <p:sp>
-        <p:nvSpPr>
-          <p:cNvPr id="6" name="Скругленный прямоугольник 56"/>
-          <p:cNvSpPr/>
-          <p:nvPr/>
-        </p:nvSpPr>
-        <p:spPr>
-          <a:xfrm>
-            <a:off x="179512" y="6552728"/>
-            <a:ext cx="3626936" cy="332656"/>
-          </a:xfrm>
-          <a:prstGeom prst="roundRect">
-            <a:avLst>
-              <a:gd name="adj" fmla="val 7504"/>
-            </a:avLst>
-          </a:prstGeom>
-          <a:noFill/>
-          <a:ln>
-            <a:noFill/>
-          </a:ln>
-        </p:spPr>
-        <p:style>
-          <a:lnRef idx="2">
-            <a:schemeClr val="accent1">
-              <a:shade val="50000"/>
-            </a:schemeClr>
-          </a:lnRef>
-          <a:fillRef idx="1">
-            <a:schemeClr val="accent1"/>
-          </a:fillRef>
-          <a:effectRef idx="0">
-            <a:schemeClr val="accent1"/>
-          </a:effectRef>
-          <a:fontRef idx="minor">
-            <a:schemeClr val="lt1"/>
-          </a:fontRef>
-        </p:style>
-        <p:txBody>
-          <a:bodyPr rot="0" spcFirstLastPara="0" vertOverflow="overflow" horzOverflow="overflow" vert="horz" wrap="square" lIns="91440" tIns="45720" rIns="91440" bIns="45720" numCol="1" spcCol="0" rtlCol="0" fromWordArt="0" anchor="ctr" anchorCtr="0" forceAA="0" compatLnSpc="1">
-            <a:prstTxWarp prst="textNoShape">
-              <a:avLst/>
-            </a:prstTxWarp>
-            <a:noAutofit/>
-          </a:bodyPr>
-          <a:lstStyle/>
-          <a:p>
-            <a:pPr algn="just"/>
-            <a:r>
-              <a:rPr lang="en-US" sz="1100" dirty="0" smtClean="0">
-                <a:solidFill>
-                  <a:srgbClr val="0070C0"/>
-                </a:solidFill>
-                <a:latin typeface="Arial" panose="020B0604020202020204" pitchFamily="34" charset="0"/>
-                <a:cs typeface="Arial" panose="020B0604020202020204" pitchFamily="34" charset="0"/>
-              </a:rPr>
-              <a:t>Inspired by </a:t>
-            </a:r>
-            <a:r>
-              <a:rPr lang="ru-RU" sz="1100" dirty="0" smtClean="0">
-                <a:solidFill>
-                  <a:srgbClr val="0070C0"/>
-                </a:solidFill>
-                <a:latin typeface="Arial" panose="020B0604020202020204" pitchFamily="34" charset="0"/>
-                <a:cs typeface="Arial" panose="020B0604020202020204" pitchFamily="34" charset="0"/>
-              </a:rPr>
-              <a:t>…</a:t>
-            </a:r>
-            <a:endParaRPr lang="uk-UA" sz="900" dirty="0" err="1" smtClean="0">
-              <a:solidFill>
-                <a:srgbClr val="0070C0"/>
-              </a:solidFill>
-              <a:latin typeface="Arial" panose="020B0604020202020204" pitchFamily="34" charset="0"/>
-              <a:cs typeface="Arial" panose="020B0604020202020204" pitchFamily="34" charset="0"/>
-            </a:endParaRPr>
-          </a:p>
-        </p:txBody>
-      </p:sp>
-      <p:sp>
-        <p:nvSpPr>
-          <p:cNvPr id="9" name="24-конечная звезда 12"/>
-          <p:cNvSpPr/>
-          <p:nvPr/>
-        </p:nvSpPr>
-        <p:spPr>
-          <a:xfrm>
-            <a:off x="1235114" y="6205331"/>
-            <a:ext cx="757866" cy="694794"/>
-          </a:xfrm>
-          <a:prstGeom prst="star24">
-            <a:avLst/>
-          </a:prstGeom>
-          <a:solidFill>
-            <a:srgbClr val="FF0000"/>
-          </a:solidFill>
-          <a:ln>
-            <a:noFill/>
-          </a:ln>
-        </p:spPr>
-        <p:style>
-          <a:lnRef idx="2">
-            <a:schemeClr val="accent1">
-              <a:shade val="50000"/>
-            </a:schemeClr>
-          </a:lnRef>
-          <a:fillRef idx="1">
-            <a:schemeClr val="accent1"/>
-          </a:fillRef>
-          <a:effectRef idx="0">
-            <a:schemeClr val="accent1"/>
-          </a:effectRef>
-          <a:fontRef idx="minor">
-            <a:schemeClr val="lt1"/>
-          </a:fontRef>
-        </p:style>
-        <p:txBody>
-          <a:bodyPr rot="0" spcFirstLastPara="0" vertOverflow="overflow" horzOverflow="overflow" vert="horz" wrap="square" lIns="91440" tIns="45720" rIns="91440" bIns="45720" numCol="1" spcCol="0" rtlCol="0" fromWordArt="0" anchor="t" anchorCtr="0" forceAA="0" compatLnSpc="1">
-            <a:prstTxWarp prst="textNoShape">
-              <a:avLst/>
-            </a:prstTxWarp>
-            <a:noAutofit/>
-          </a:bodyPr>
-          <a:lstStyle/>
-          <a:p>
-            <a:pPr algn="just"/>
-            <a:endParaRPr lang="uk-UA" sz="1400" dirty="0" err="1" smtClean="0">
-              <a:solidFill>
-                <a:srgbClr val="FFC000"/>
-              </a:solidFill>
-              <a:latin typeface="Arial" panose="020B0604020202020204" pitchFamily="34" charset="0"/>
-              <a:cs typeface="Arial" panose="020B0604020202020204" pitchFamily="34" charset="0"/>
-            </a:endParaRPr>
-          </a:p>
-        </p:txBody>
-      </p:sp>
-      <p:cxnSp>
-        <p:nvCxnSpPr>
-          <p:cNvPr id="4" name="Straight Connector 3"/>
-          <p:cNvCxnSpPr/>
-          <p:nvPr/>
-        </p:nvCxnSpPr>
-        <p:spPr>
-          <a:xfrm>
-            <a:off x="0" y="6093296"/>
-            <a:ext cx="9144000" cy="0"/>
-          </a:xfrm>
-          <a:prstGeom prst="line">
-            <a:avLst/>
-          </a:prstGeom>
-        </p:spPr>
-        <p:style>
-          <a:lnRef idx="1">
-            <a:schemeClr val="accent1"/>
-          </a:lnRef>
-          <a:fillRef idx="0">
-            <a:schemeClr val="accent1"/>
-          </a:fillRef>
-          <a:effectRef idx="0">
-            <a:schemeClr val="accent1"/>
-          </a:effectRef>
-          <a:fontRef idx="minor">
-            <a:schemeClr val="tx1"/>
-          </a:fontRef>
-        </p:style>
-      </p:cxnSp>
     </p:spTree>
     <p:extLst>
       <p:ext uri="{BB962C8B-B14F-4D97-AF65-F5344CB8AC3E}">
-        <p14:creationId xmlns:p14="http://schemas.microsoft.com/office/powerpoint/2010/main" val="1497228068"/>
+        <p14:creationId xmlns:p14="http://schemas.microsoft.com/office/powerpoint/2010/main" xmlns="" val="1497228068"/>
       </p:ext>
     </p:extLst>
   </p:cSld>
@@ -18007,7 +18433,7 @@
     </p:spTree>
     <p:extLst>
       <p:ext uri="{BB962C8B-B14F-4D97-AF65-F5344CB8AC3E}">
-        <p14:creationId xmlns:p14="http://schemas.microsoft.com/office/powerpoint/2010/main" val="1944192708"/>
+        <p14:creationId xmlns:p14="http://schemas.microsoft.com/office/powerpoint/2010/main" xmlns="" val="1944192708"/>
       </p:ext>
     </p:extLst>
   </p:cSld>
@@ -19134,7 +19560,7 @@
     </p:spTree>
     <p:extLst>
       <p:ext uri="{BB962C8B-B14F-4D97-AF65-F5344CB8AC3E}">
-        <p14:creationId xmlns:p14="http://schemas.microsoft.com/office/powerpoint/2010/main" val="4012865765"/>
+        <p14:creationId xmlns:p14="http://schemas.microsoft.com/office/powerpoint/2010/main" xmlns="" val="4012865765"/>
       </p:ext>
     </p:extLst>
   </p:cSld>
@@ -21241,7 +21667,7 @@
     </p:spTree>
     <p:extLst>
       <p:ext uri="{BB962C8B-B14F-4D97-AF65-F5344CB8AC3E}">
-        <p14:creationId xmlns:p14="http://schemas.microsoft.com/office/powerpoint/2010/main" val="3534325902"/>
+        <p14:creationId xmlns:p14="http://schemas.microsoft.com/office/powerpoint/2010/main" xmlns="" val="3534325902"/>
       </p:ext>
     </p:extLst>
   </p:cSld>
@@ -25571,7 +25997,7 @@
     </p:spTree>
     <p:extLst>
       <p:ext uri="{BB962C8B-B14F-4D97-AF65-F5344CB8AC3E}">
-        <p14:creationId xmlns:p14="http://schemas.microsoft.com/office/powerpoint/2010/main" val="3297713618"/>
+        <p14:creationId xmlns:p14="http://schemas.microsoft.com/office/powerpoint/2010/main" xmlns="" val="3297713618"/>
       </p:ext>
     </p:extLst>
   </p:cSld>
@@ -27177,7 +27603,7 @@
     </p:spTree>
     <p:extLst>
       <p:ext uri="{BB962C8B-B14F-4D97-AF65-F5344CB8AC3E}">
-        <p14:creationId xmlns:p14="http://schemas.microsoft.com/office/powerpoint/2010/main" val="1605853429"/>
+        <p14:creationId xmlns:p14="http://schemas.microsoft.com/office/powerpoint/2010/main" xmlns="" val="1605853429"/>
       </p:ext>
     </p:extLst>
   </p:cSld>
@@ -29686,7 +30112,7 @@
     </p:spTree>
     <p:extLst>
       <p:ext uri="{BB962C8B-B14F-4D97-AF65-F5344CB8AC3E}">
-        <p14:creationId xmlns:p14="http://schemas.microsoft.com/office/powerpoint/2010/main" val="4235807130"/>
+        <p14:creationId xmlns:p14="http://schemas.microsoft.com/office/powerpoint/2010/main" xmlns="" val="4235807130"/>
       </p:ext>
     </p:extLst>
   </p:cSld>
@@ -33227,7 +33653,7 @@
     </p:spTree>
     <p:extLst>
       <p:ext uri="{BB962C8B-B14F-4D97-AF65-F5344CB8AC3E}">
-        <p14:creationId xmlns:p14="http://schemas.microsoft.com/office/powerpoint/2010/main" val="2092042626"/>
+        <p14:creationId xmlns:p14="http://schemas.microsoft.com/office/powerpoint/2010/main" xmlns="" val="2092042626"/>
       </p:ext>
     </p:extLst>
   </p:cSld>

--- a/PM.overview/PMBoK 5 Brief Overview -- Oleksiy Rudenko -- 150412.pptx
+++ b/PM.overview/PMBoK 5 Brief Overview -- Oleksiy Rudenko -- 150412.pptx
@@ -734,6 +734,205 @@
           </a:fontRef>
         </p:style>
       </p:cxnSp>
+      <p:grpSp>
+        <p:nvGrpSpPr>
+          <p:cNvPr id="7" name="Group 6"/>
+          <p:cNvGrpSpPr/>
+          <p:nvPr userDrawn="1"/>
+        </p:nvGrpSpPr>
+        <p:grpSpPr>
+          <a:xfrm>
+            <a:off x="107930" y="80628"/>
+            <a:ext cx="647646" cy="648227"/>
+            <a:chOff x="3715578" y="3367048"/>
+            <a:chExt cx="503548" cy="504000"/>
+          </a:xfrm>
+        </p:grpSpPr>
+        <p:sp>
+          <p:nvSpPr>
+            <p:cNvPr id="9" name="Oval 8"/>
+            <p:cNvSpPr/>
+            <p:nvPr/>
+          </p:nvSpPr>
+          <p:spPr>
+            <a:xfrm>
+              <a:off x="3715578" y="3367048"/>
+              <a:ext cx="503548" cy="504000"/>
+            </a:xfrm>
+            <a:prstGeom prst="ellipse">
+              <a:avLst/>
+            </a:prstGeom>
+            <a:noFill/>
+            <a:ln w="41275">
+              <a:solidFill>
+                <a:srgbClr val="0070C0"/>
+              </a:solidFill>
+            </a:ln>
+          </p:spPr>
+          <p:style>
+            <a:lnRef idx="2">
+              <a:schemeClr val="accent1">
+                <a:shade val="50000"/>
+              </a:schemeClr>
+            </a:lnRef>
+            <a:fillRef idx="1">
+              <a:schemeClr val="accent1"/>
+            </a:fillRef>
+            <a:effectRef idx="0">
+              <a:schemeClr val="accent1"/>
+            </a:effectRef>
+            <a:fontRef idx="minor">
+              <a:schemeClr val="lt1"/>
+            </a:fontRef>
+          </p:style>
+          <p:txBody>
+            <a:bodyPr rtlCol="0" anchor="ctr"/>
+            <a:lstStyle/>
+            <a:p>
+              <a:pPr algn="ctr"/>
+              <a:endParaRPr lang="en-GB"/>
+            </a:p>
+          </p:txBody>
+        </p:sp>
+        <p:sp>
+          <p:nvSpPr>
+            <p:cNvPr id="10" name="Oval 9"/>
+            <p:cNvSpPr/>
+            <p:nvPr/>
+          </p:nvSpPr>
+          <p:spPr>
+            <a:xfrm>
+              <a:off x="3787946" y="3461470"/>
+              <a:ext cx="393530" cy="404583"/>
+            </a:xfrm>
+            <a:prstGeom prst="ellipse">
+              <a:avLst/>
+            </a:prstGeom>
+            <a:noFill/>
+            <a:ln w="41275">
+              <a:solidFill>
+                <a:srgbClr val="0070C0"/>
+              </a:solidFill>
+            </a:ln>
+          </p:spPr>
+          <p:style>
+            <a:lnRef idx="2">
+              <a:schemeClr val="accent1">
+                <a:shade val="50000"/>
+              </a:schemeClr>
+            </a:lnRef>
+            <a:fillRef idx="1">
+              <a:schemeClr val="accent1"/>
+            </a:fillRef>
+            <a:effectRef idx="0">
+              <a:schemeClr val="accent1"/>
+            </a:effectRef>
+            <a:fontRef idx="minor">
+              <a:schemeClr val="lt1"/>
+            </a:fontRef>
+          </p:style>
+          <p:txBody>
+            <a:bodyPr rtlCol="0" anchor="ctr"/>
+            <a:lstStyle/>
+            <a:p>
+              <a:pPr algn="ctr"/>
+              <a:endParaRPr lang="en-GB"/>
+            </a:p>
+          </p:txBody>
+        </p:sp>
+        <p:sp>
+          <p:nvSpPr>
+            <p:cNvPr id="11" name="Oval 10"/>
+            <p:cNvSpPr/>
+            <p:nvPr/>
+          </p:nvSpPr>
+          <p:spPr>
+            <a:xfrm>
+              <a:off x="3876262" y="3530111"/>
+              <a:ext cx="180353" cy="180353"/>
+            </a:xfrm>
+            <a:prstGeom prst="ellipse">
+              <a:avLst/>
+            </a:prstGeom>
+            <a:noFill/>
+            <a:ln w="41275">
+              <a:solidFill>
+                <a:srgbClr val="0070C0"/>
+              </a:solidFill>
+            </a:ln>
+          </p:spPr>
+          <p:style>
+            <a:lnRef idx="2">
+              <a:schemeClr val="accent1">
+                <a:shade val="50000"/>
+              </a:schemeClr>
+            </a:lnRef>
+            <a:fillRef idx="1">
+              <a:schemeClr val="accent1"/>
+            </a:fillRef>
+            <a:effectRef idx="0">
+              <a:schemeClr val="accent1"/>
+            </a:effectRef>
+            <a:fontRef idx="minor">
+              <a:schemeClr val="lt1"/>
+            </a:fontRef>
+          </p:style>
+          <p:txBody>
+            <a:bodyPr rtlCol="0" anchor="ctr"/>
+            <a:lstStyle/>
+            <a:p>
+              <a:pPr algn="ctr"/>
+              <a:endParaRPr lang="en-GB"/>
+            </a:p>
+          </p:txBody>
+        </p:sp>
+        <p:sp>
+          <p:nvSpPr>
+            <p:cNvPr id="12" name="Oval 11"/>
+            <p:cNvSpPr/>
+            <p:nvPr/>
+          </p:nvSpPr>
+          <p:spPr>
+            <a:xfrm>
+              <a:off x="3877309" y="3473149"/>
+              <a:ext cx="283802" cy="292083"/>
+            </a:xfrm>
+            <a:prstGeom prst="ellipse">
+              <a:avLst/>
+            </a:prstGeom>
+            <a:noFill/>
+            <a:ln w="41275">
+              <a:solidFill>
+                <a:srgbClr val="0070C0"/>
+              </a:solidFill>
+            </a:ln>
+          </p:spPr>
+          <p:style>
+            <a:lnRef idx="2">
+              <a:schemeClr val="accent1">
+                <a:shade val="50000"/>
+              </a:schemeClr>
+            </a:lnRef>
+            <a:fillRef idx="1">
+              <a:schemeClr val="accent1"/>
+            </a:fillRef>
+            <a:effectRef idx="0">
+              <a:schemeClr val="accent1"/>
+            </a:effectRef>
+            <a:fontRef idx="minor">
+              <a:schemeClr val="lt1"/>
+            </a:fontRef>
+          </p:style>
+          <p:txBody>
+            <a:bodyPr rtlCol="0" anchor="ctr"/>
+            <a:lstStyle/>
+            <a:p>
+              <a:pPr algn="ctr"/>
+              <a:endParaRPr lang="en-GB"/>
+            </a:p>
+          </p:txBody>
+        </p:sp>
+      </p:grpSp>
     </p:spTree>
     <p:extLst>
       <p:ext uri="{BB962C8B-B14F-4D97-AF65-F5344CB8AC3E}">
@@ -3839,13 +4038,6 @@
               </a:rPr>
               <a:t>Cheat-sheet &amp; tools</a:t>
             </a:r>
-            <a:endParaRPr lang="en-US" dirty="0" smtClean="0">
-              <a:solidFill>
-                <a:srgbClr val="00B0F0"/>
-              </a:solidFill>
-              <a:latin typeface="Arial" panose="020B0604020202020204" pitchFamily="34" charset="0"/>
-              <a:cs typeface="Arial" panose="020B0604020202020204" pitchFamily="34" charset="0"/>
-            </a:endParaRPr>
           </a:p>
         </p:txBody>
       </p:sp>
@@ -7987,6 +8179,122 @@
           </p:txBody>
         </p:sp>
       </p:grpSp>
+      <p:sp>
+        <p:nvSpPr>
+          <p:cNvPr id="62" name="Кольцо 6"/>
+          <p:cNvSpPr/>
+          <p:nvPr/>
+        </p:nvSpPr>
+        <p:spPr>
+          <a:xfrm rot="20648504">
+            <a:off x="7503832" y="6372041"/>
+            <a:ext cx="1440160" cy="1368152"/>
+          </a:xfrm>
+          <a:prstGeom prst="donut">
+            <a:avLst/>
+          </a:prstGeom>
+          <a:solidFill>
+            <a:srgbClr val="7030A0"/>
+          </a:solidFill>
+          <a:ln>
+            <a:noFill/>
+            <a:prstDash val="sysDash"/>
+          </a:ln>
+        </p:spPr>
+        <p:style>
+          <a:lnRef idx="2">
+            <a:schemeClr val="accent1">
+              <a:shade val="50000"/>
+            </a:schemeClr>
+          </a:lnRef>
+          <a:fillRef idx="1">
+            <a:schemeClr val="accent1"/>
+          </a:fillRef>
+          <a:effectRef idx="0">
+            <a:schemeClr val="accent1"/>
+          </a:effectRef>
+          <a:fontRef idx="minor">
+            <a:schemeClr val="lt1"/>
+          </a:fontRef>
+        </p:style>
+        <p:txBody>
+          <a:bodyPr rot="0" spcFirstLastPara="0" vertOverflow="overflow" horzOverflow="overflow" vert="horz" wrap="square" lIns="91440" tIns="45720" rIns="91440" bIns="45720" numCol="1" spcCol="0" rtlCol="0" fromWordArt="0" anchor="t" anchorCtr="0" forceAA="0" compatLnSpc="1">
+            <a:prstTxWarp prst="textNoShape">
+              <a:avLst/>
+            </a:prstTxWarp>
+            <a:noAutofit/>
+          </a:bodyPr>
+          <a:lstStyle/>
+          <a:p>
+            <a:pPr algn="just"/>
+            <a:endParaRPr lang="uk-UA" dirty="0" err="1" smtClean="0">
+              <a:solidFill>
+                <a:schemeClr val="bg1"/>
+              </a:solidFill>
+              <a:latin typeface="Arial" panose="020B0604020202020204" pitchFamily="34" charset="0"/>
+              <a:cs typeface="Arial" panose="020B0604020202020204" pitchFamily="34" charset="0"/>
+            </a:endParaRPr>
+          </a:p>
+        </p:txBody>
+      </p:sp>
+      <p:sp>
+        <p:nvSpPr>
+          <p:cNvPr id="67" name="Овал 7"/>
+          <p:cNvSpPr/>
+          <p:nvPr/>
+        </p:nvSpPr>
+        <p:spPr>
+          <a:xfrm rot="20648504">
+            <a:off x="7503832" y="6372041"/>
+            <a:ext cx="1440160" cy="1368152"/>
+          </a:xfrm>
+          <a:prstGeom prst="ellipse">
+            <a:avLst/>
+          </a:prstGeom>
+          <a:noFill/>
+          <a:ln w="215900">
+            <a:solidFill>
+              <a:srgbClr val="7030A0"/>
+            </a:solidFill>
+            <a:prstDash val="sysDot"/>
+          </a:ln>
+        </p:spPr>
+        <p:style>
+          <a:lnRef idx="2">
+            <a:schemeClr val="accent1">
+              <a:shade val="50000"/>
+            </a:schemeClr>
+          </a:lnRef>
+          <a:fillRef idx="1">
+            <a:schemeClr val="accent1"/>
+          </a:fillRef>
+          <a:effectRef idx="0">
+            <a:schemeClr val="accent1"/>
+          </a:effectRef>
+          <a:fontRef idx="minor">
+            <a:schemeClr val="lt1"/>
+          </a:fontRef>
+        </p:style>
+        <p:txBody>
+          <a:bodyPr rot="0" spcFirstLastPara="0" vertOverflow="overflow" horzOverflow="overflow" vert="horz" wrap="square" lIns="91440" tIns="45720" rIns="91440" bIns="45720" numCol="1" spcCol="0" rtlCol="0" fromWordArt="0" anchor="t" anchorCtr="0" forceAA="0" compatLnSpc="1">
+            <a:prstTxWarp prst="textNoShape">
+              <a:avLst/>
+            </a:prstTxWarp>
+            <a:noAutofit/>
+          </a:bodyPr>
+          <a:lstStyle/>
+          <a:p>
+            <a:pPr algn="just"/>
+            <a:endParaRPr lang="uk-UA" dirty="0" err="1" smtClean="0">
+              <a:solidFill>
+                <a:schemeClr val="bg1"/>
+              </a:solidFill>
+              <a:latin typeface="Arial" panose="020B0604020202020204" pitchFamily="34" charset="0"/>
+              <a:cs typeface="Arial" panose="020B0604020202020204" pitchFamily="34" charset="0"/>
+            </a:endParaRPr>
+          </a:p>
+        </p:txBody>
+      </p:sp>
     </p:spTree>
     <p:extLst>
       <p:ext uri="{BB962C8B-B14F-4D97-AF65-F5344CB8AC3E}">
@@ -14265,6 +14573,717 @@
               <a:endParaRPr lang="uk-UA" sz="1600" dirty="0" err="1" smtClean="0">
                 <a:solidFill>
                   <a:srgbClr val="0070C0"/>
+                </a:solidFill>
+                <a:latin typeface="Arial" panose="020B0604020202020204" pitchFamily="34" charset="0"/>
+                <a:cs typeface="Arial" panose="020B0604020202020204" pitchFamily="34" charset="0"/>
+              </a:endParaRPr>
+            </a:p>
+          </p:txBody>
+        </p:sp>
+      </p:grpSp>
+      <p:grpSp>
+        <p:nvGrpSpPr>
+          <p:cNvPr id="18" name="Группа 24"/>
+          <p:cNvGrpSpPr/>
+          <p:nvPr/>
+        </p:nvGrpSpPr>
+        <p:grpSpPr>
+          <a:xfrm rot="9135672">
+            <a:off x="4455930" y="5425009"/>
+            <a:ext cx="5333199" cy="1901018"/>
+            <a:chOff x="1916918" y="1858039"/>
+            <a:chExt cx="5333199" cy="1901018"/>
+          </a:xfrm>
+        </p:grpSpPr>
+        <p:sp>
+          <p:nvSpPr>
+            <p:cNvPr id="19" name="Знак запрета 4"/>
+            <p:cNvSpPr/>
+            <p:nvPr/>
+          </p:nvSpPr>
+          <p:spPr>
+            <a:xfrm>
+              <a:off x="2699792" y="2268488"/>
+              <a:ext cx="1440160" cy="1368152"/>
+            </a:xfrm>
+            <a:prstGeom prst="noSmoking">
+              <a:avLst/>
+            </a:prstGeom>
+            <a:solidFill>
+              <a:srgbClr val="FFC000"/>
+            </a:solidFill>
+            <a:ln>
+              <a:noFill/>
+              <a:prstDash val="sysDash"/>
+            </a:ln>
+          </p:spPr>
+          <p:style>
+            <a:lnRef idx="2">
+              <a:schemeClr val="accent1">
+                <a:shade val="50000"/>
+              </a:schemeClr>
+            </a:lnRef>
+            <a:fillRef idx="1">
+              <a:schemeClr val="accent1"/>
+            </a:fillRef>
+            <a:effectRef idx="0">
+              <a:schemeClr val="accent1"/>
+            </a:effectRef>
+            <a:fontRef idx="minor">
+              <a:schemeClr val="lt1"/>
+            </a:fontRef>
+          </p:style>
+          <p:txBody>
+            <a:bodyPr rot="0" spcFirstLastPara="0" vertOverflow="overflow" horzOverflow="overflow" vert="horz" wrap="square" lIns="91440" tIns="45720" rIns="91440" bIns="45720" numCol="1" spcCol="0" rtlCol="0" fromWordArt="0" anchor="t" anchorCtr="0" forceAA="0" compatLnSpc="1">
+              <a:prstTxWarp prst="textNoShape">
+                <a:avLst/>
+              </a:prstTxWarp>
+              <a:noAutofit/>
+            </a:bodyPr>
+            <a:lstStyle/>
+            <a:p>
+              <a:pPr algn="just"/>
+              <a:endParaRPr lang="uk-UA" dirty="0" err="1" smtClean="0">
+                <a:solidFill>
+                  <a:schemeClr val="bg1"/>
+                </a:solidFill>
+                <a:latin typeface="Arial" panose="020B0604020202020204" pitchFamily="34" charset="0"/>
+                <a:cs typeface="Arial" panose="020B0604020202020204" pitchFamily="34" charset="0"/>
+              </a:endParaRPr>
+            </a:p>
+          </p:txBody>
+        </p:sp>
+        <p:sp>
+          <p:nvSpPr>
+            <p:cNvPr id="20" name="Овал 5"/>
+            <p:cNvSpPr/>
+            <p:nvPr/>
+          </p:nvSpPr>
+          <p:spPr>
+            <a:xfrm>
+              <a:off x="2699792" y="2268488"/>
+              <a:ext cx="1440160" cy="1368152"/>
+            </a:xfrm>
+            <a:prstGeom prst="ellipse">
+              <a:avLst/>
+            </a:prstGeom>
+            <a:noFill/>
+            <a:ln w="215900">
+              <a:solidFill>
+                <a:srgbClr val="FFC000"/>
+              </a:solidFill>
+              <a:prstDash val="sysDot"/>
+            </a:ln>
+          </p:spPr>
+          <p:style>
+            <a:lnRef idx="2">
+              <a:schemeClr val="accent1">
+                <a:shade val="50000"/>
+              </a:schemeClr>
+            </a:lnRef>
+            <a:fillRef idx="1">
+              <a:schemeClr val="accent1"/>
+            </a:fillRef>
+            <a:effectRef idx="0">
+              <a:schemeClr val="accent1"/>
+            </a:effectRef>
+            <a:fontRef idx="minor">
+              <a:schemeClr val="lt1"/>
+            </a:fontRef>
+          </p:style>
+          <p:txBody>
+            <a:bodyPr rot="0" spcFirstLastPara="0" vertOverflow="overflow" horzOverflow="overflow" vert="horz" wrap="square" lIns="91440" tIns="45720" rIns="91440" bIns="45720" numCol="1" spcCol="0" rtlCol="0" fromWordArt="0" anchor="t" anchorCtr="0" forceAA="0" compatLnSpc="1">
+              <a:prstTxWarp prst="textNoShape">
+                <a:avLst/>
+              </a:prstTxWarp>
+              <a:noAutofit/>
+            </a:bodyPr>
+            <a:lstStyle/>
+            <a:p>
+              <a:pPr algn="just"/>
+              <a:endParaRPr lang="uk-UA" dirty="0" err="1" smtClean="0">
+                <a:solidFill>
+                  <a:schemeClr val="bg1"/>
+                </a:solidFill>
+                <a:latin typeface="Arial" panose="020B0604020202020204" pitchFamily="34" charset="0"/>
+                <a:cs typeface="Arial" panose="020B0604020202020204" pitchFamily="34" charset="0"/>
+              </a:endParaRPr>
+            </a:p>
+          </p:txBody>
+        </p:sp>
+        <p:sp>
+          <p:nvSpPr>
+            <p:cNvPr id="26" name="Кольцо 6"/>
+            <p:cNvSpPr/>
+            <p:nvPr/>
+          </p:nvSpPr>
+          <p:spPr>
+            <a:xfrm>
+              <a:off x="5098058" y="1935280"/>
+              <a:ext cx="1440160" cy="1368152"/>
+            </a:xfrm>
+            <a:prstGeom prst="donut">
+              <a:avLst/>
+            </a:prstGeom>
+            <a:solidFill>
+              <a:srgbClr val="7030A0"/>
+            </a:solidFill>
+            <a:ln>
+              <a:noFill/>
+              <a:prstDash val="sysDash"/>
+            </a:ln>
+          </p:spPr>
+          <p:style>
+            <a:lnRef idx="2">
+              <a:schemeClr val="accent1">
+                <a:shade val="50000"/>
+              </a:schemeClr>
+            </a:lnRef>
+            <a:fillRef idx="1">
+              <a:schemeClr val="accent1"/>
+            </a:fillRef>
+            <a:effectRef idx="0">
+              <a:schemeClr val="accent1"/>
+            </a:effectRef>
+            <a:fontRef idx="minor">
+              <a:schemeClr val="lt1"/>
+            </a:fontRef>
+          </p:style>
+          <p:txBody>
+            <a:bodyPr rot="0" spcFirstLastPara="0" vertOverflow="overflow" horzOverflow="overflow" vert="horz" wrap="square" lIns="91440" tIns="45720" rIns="91440" bIns="45720" numCol="1" spcCol="0" rtlCol="0" fromWordArt="0" anchor="t" anchorCtr="0" forceAA="0" compatLnSpc="1">
+              <a:prstTxWarp prst="textNoShape">
+                <a:avLst/>
+              </a:prstTxWarp>
+              <a:noAutofit/>
+            </a:bodyPr>
+            <a:lstStyle/>
+            <a:p>
+              <a:pPr algn="just"/>
+              <a:endParaRPr lang="uk-UA" dirty="0" err="1" smtClean="0">
+                <a:solidFill>
+                  <a:schemeClr val="bg1"/>
+                </a:solidFill>
+                <a:latin typeface="Arial" panose="020B0604020202020204" pitchFamily="34" charset="0"/>
+                <a:cs typeface="Arial" panose="020B0604020202020204" pitchFamily="34" charset="0"/>
+              </a:endParaRPr>
+            </a:p>
+          </p:txBody>
+        </p:sp>
+        <p:sp>
+          <p:nvSpPr>
+            <p:cNvPr id="27" name="Овал 7"/>
+            <p:cNvSpPr/>
+            <p:nvPr/>
+          </p:nvSpPr>
+          <p:spPr>
+            <a:xfrm>
+              <a:off x="5098058" y="1935280"/>
+              <a:ext cx="1440160" cy="1368152"/>
+            </a:xfrm>
+            <a:prstGeom prst="ellipse">
+              <a:avLst/>
+            </a:prstGeom>
+            <a:noFill/>
+            <a:ln w="215900">
+              <a:solidFill>
+                <a:srgbClr val="7030A0"/>
+              </a:solidFill>
+              <a:prstDash val="sysDot"/>
+            </a:ln>
+          </p:spPr>
+          <p:style>
+            <a:lnRef idx="2">
+              <a:schemeClr val="accent1">
+                <a:shade val="50000"/>
+              </a:schemeClr>
+            </a:lnRef>
+            <a:fillRef idx="1">
+              <a:schemeClr val="accent1"/>
+            </a:fillRef>
+            <a:effectRef idx="0">
+              <a:schemeClr val="accent1"/>
+            </a:effectRef>
+            <a:fontRef idx="minor">
+              <a:schemeClr val="lt1"/>
+            </a:fontRef>
+          </p:style>
+          <p:txBody>
+            <a:bodyPr rot="0" spcFirstLastPara="0" vertOverflow="overflow" horzOverflow="overflow" vert="horz" wrap="square" lIns="91440" tIns="45720" rIns="91440" bIns="45720" numCol="1" spcCol="0" rtlCol="0" fromWordArt="0" anchor="t" anchorCtr="0" forceAA="0" compatLnSpc="1">
+              <a:prstTxWarp prst="textNoShape">
+                <a:avLst/>
+              </a:prstTxWarp>
+              <a:noAutofit/>
+            </a:bodyPr>
+            <a:lstStyle/>
+            <a:p>
+              <a:pPr algn="just"/>
+              <a:endParaRPr lang="uk-UA" dirty="0" err="1" smtClean="0">
+                <a:solidFill>
+                  <a:schemeClr val="bg1"/>
+                </a:solidFill>
+                <a:latin typeface="Arial" panose="020B0604020202020204" pitchFamily="34" charset="0"/>
+                <a:cs typeface="Arial" panose="020B0604020202020204" pitchFamily="34" charset="0"/>
+              </a:endParaRPr>
+            </a:p>
+          </p:txBody>
+        </p:sp>
+        <p:sp>
+          <p:nvSpPr>
+            <p:cNvPr id="28" name="Кольцо 12"/>
+            <p:cNvSpPr/>
+            <p:nvPr/>
+          </p:nvSpPr>
+          <p:spPr>
+            <a:xfrm>
+              <a:off x="4260718" y="2815743"/>
+              <a:ext cx="848994" cy="820897"/>
+            </a:xfrm>
+            <a:prstGeom prst="donut">
+              <a:avLst/>
+            </a:prstGeom>
+            <a:solidFill>
+              <a:srgbClr val="C00000"/>
+            </a:solidFill>
+            <a:ln>
+              <a:noFill/>
+              <a:prstDash val="sysDash"/>
+            </a:ln>
+          </p:spPr>
+          <p:style>
+            <a:lnRef idx="2">
+              <a:schemeClr val="accent1">
+                <a:shade val="50000"/>
+              </a:schemeClr>
+            </a:lnRef>
+            <a:fillRef idx="1">
+              <a:schemeClr val="accent1"/>
+            </a:fillRef>
+            <a:effectRef idx="0">
+              <a:schemeClr val="accent1"/>
+            </a:effectRef>
+            <a:fontRef idx="minor">
+              <a:schemeClr val="lt1"/>
+            </a:fontRef>
+          </p:style>
+          <p:txBody>
+            <a:bodyPr rot="0" spcFirstLastPara="0" vertOverflow="overflow" horzOverflow="overflow" vert="horz" wrap="square" lIns="91440" tIns="45720" rIns="91440" bIns="45720" numCol="1" spcCol="0" rtlCol="0" fromWordArt="0" anchor="t" anchorCtr="0" forceAA="0" compatLnSpc="1">
+              <a:prstTxWarp prst="textNoShape">
+                <a:avLst/>
+              </a:prstTxWarp>
+              <a:noAutofit/>
+            </a:bodyPr>
+            <a:lstStyle/>
+            <a:p>
+              <a:pPr algn="just"/>
+              <a:endParaRPr lang="uk-UA" dirty="0" err="1" smtClean="0">
+                <a:solidFill>
+                  <a:schemeClr val="bg1"/>
+                </a:solidFill>
+                <a:latin typeface="Arial" panose="020B0604020202020204" pitchFamily="34" charset="0"/>
+                <a:cs typeface="Arial" panose="020B0604020202020204" pitchFamily="34" charset="0"/>
+              </a:endParaRPr>
+            </a:p>
+          </p:txBody>
+        </p:sp>
+        <p:sp>
+          <p:nvSpPr>
+            <p:cNvPr id="29" name="Овал 13"/>
+            <p:cNvSpPr/>
+            <p:nvPr/>
+          </p:nvSpPr>
+          <p:spPr>
+            <a:xfrm>
+              <a:off x="4260718" y="2815743"/>
+              <a:ext cx="848994" cy="820897"/>
+            </a:xfrm>
+            <a:prstGeom prst="ellipse">
+              <a:avLst/>
+            </a:prstGeom>
+            <a:noFill/>
+            <a:ln w="215900">
+              <a:solidFill>
+                <a:srgbClr val="C00000"/>
+              </a:solidFill>
+              <a:prstDash val="sysDot"/>
+            </a:ln>
+          </p:spPr>
+          <p:style>
+            <a:lnRef idx="2">
+              <a:schemeClr val="accent1">
+                <a:shade val="50000"/>
+              </a:schemeClr>
+            </a:lnRef>
+            <a:fillRef idx="1">
+              <a:schemeClr val="accent1"/>
+            </a:fillRef>
+            <a:effectRef idx="0">
+              <a:schemeClr val="accent1"/>
+            </a:effectRef>
+            <a:fontRef idx="minor">
+              <a:schemeClr val="lt1"/>
+            </a:fontRef>
+          </p:style>
+          <p:txBody>
+            <a:bodyPr rot="0" spcFirstLastPara="0" vertOverflow="overflow" horzOverflow="overflow" vert="horz" wrap="square" lIns="91440" tIns="45720" rIns="91440" bIns="45720" numCol="1" spcCol="0" rtlCol="0" fromWordArt="0" anchor="t" anchorCtr="0" forceAA="0" compatLnSpc="1">
+              <a:prstTxWarp prst="textNoShape">
+                <a:avLst/>
+              </a:prstTxWarp>
+              <a:noAutofit/>
+            </a:bodyPr>
+            <a:lstStyle/>
+            <a:p>
+              <a:pPr algn="just"/>
+              <a:endParaRPr lang="uk-UA" dirty="0" err="1" smtClean="0">
+                <a:solidFill>
+                  <a:schemeClr val="bg1"/>
+                </a:solidFill>
+                <a:latin typeface="Arial" panose="020B0604020202020204" pitchFamily="34" charset="0"/>
+                <a:cs typeface="Arial" panose="020B0604020202020204" pitchFamily="34" charset="0"/>
+              </a:endParaRPr>
+            </a:p>
+          </p:txBody>
+        </p:sp>
+        <p:sp>
+          <p:nvSpPr>
+            <p:cNvPr id="30" name="Кольцо 15"/>
+            <p:cNvSpPr/>
+            <p:nvPr/>
+          </p:nvSpPr>
+          <p:spPr>
+            <a:xfrm rot="20941851">
+              <a:off x="1916918" y="1858040"/>
+              <a:ext cx="848994" cy="820897"/>
+            </a:xfrm>
+            <a:prstGeom prst="donut">
+              <a:avLst/>
+            </a:prstGeom>
+            <a:solidFill>
+              <a:srgbClr val="00B050"/>
+            </a:solidFill>
+            <a:ln>
+              <a:noFill/>
+              <a:prstDash val="sysDash"/>
+            </a:ln>
+          </p:spPr>
+          <p:style>
+            <a:lnRef idx="2">
+              <a:schemeClr val="accent1">
+                <a:shade val="50000"/>
+              </a:schemeClr>
+            </a:lnRef>
+            <a:fillRef idx="1">
+              <a:schemeClr val="accent1"/>
+            </a:fillRef>
+            <a:effectRef idx="0">
+              <a:schemeClr val="accent1"/>
+            </a:effectRef>
+            <a:fontRef idx="minor">
+              <a:schemeClr val="lt1"/>
+            </a:fontRef>
+          </p:style>
+          <p:txBody>
+            <a:bodyPr rot="0" spcFirstLastPara="0" vertOverflow="overflow" horzOverflow="overflow" vert="horz" wrap="square" lIns="91440" tIns="45720" rIns="91440" bIns="45720" numCol="1" spcCol="0" rtlCol="0" fromWordArt="0" anchor="t" anchorCtr="0" forceAA="0" compatLnSpc="1">
+              <a:prstTxWarp prst="textNoShape">
+                <a:avLst/>
+              </a:prstTxWarp>
+              <a:noAutofit/>
+            </a:bodyPr>
+            <a:lstStyle/>
+            <a:p>
+              <a:pPr algn="just"/>
+              <a:endParaRPr lang="uk-UA" dirty="0" err="1" smtClean="0">
+                <a:solidFill>
+                  <a:schemeClr val="bg1"/>
+                </a:solidFill>
+                <a:latin typeface="Arial" panose="020B0604020202020204" pitchFamily="34" charset="0"/>
+                <a:cs typeface="Arial" panose="020B0604020202020204" pitchFamily="34" charset="0"/>
+              </a:endParaRPr>
+            </a:p>
+          </p:txBody>
+        </p:sp>
+        <p:sp>
+          <p:nvSpPr>
+            <p:cNvPr id="31" name="Овал 16"/>
+            <p:cNvSpPr/>
+            <p:nvPr/>
+          </p:nvSpPr>
+          <p:spPr>
+            <a:xfrm rot="20941851">
+              <a:off x="1916918" y="1858040"/>
+              <a:ext cx="848994" cy="820897"/>
+            </a:xfrm>
+            <a:prstGeom prst="ellipse">
+              <a:avLst/>
+            </a:prstGeom>
+            <a:noFill/>
+            <a:ln w="215900">
+              <a:solidFill>
+                <a:srgbClr val="00B050"/>
+              </a:solidFill>
+              <a:prstDash val="sysDot"/>
+            </a:ln>
+          </p:spPr>
+          <p:style>
+            <a:lnRef idx="2">
+              <a:schemeClr val="accent1">
+                <a:shade val="50000"/>
+              </a:schemeClr>
+            </a:lnRef>
+            <a:fillRef idx="1">
+              <a:schemeClr val="accent1"/>
+            </a:fillRef>
+            <a:effectRef idx="0">
+              <a:schemeClr val="accent1"/>
+            </a:effectRef>
+            <a:fontRef idx="minor">
+              <a:schemeClr val="lt1"/>
+            </a:fontRef>
+          </p:style>
+          <p:txBody>
+            <a:bodyPr rot="0" spcFirstLastPara="0" vertOverflow="overflow" horzOverflow="overflow" vert="horz" wrap="square" lIns="91440" tIns="45720" rIns="91440" bIns="45720" numCol="1" spcCol="0" rtlCol="0" fromWordArt="0" anchor="t" anchorCtr="0" forceAA="0" compatLnSpc="1">
+              <a:prstTxWarp prst="textNoShape">
+                <a:avLst/>
+              </a:prstTxWarp>
+              <a:noAutofit/>
+            </a:bodyPr>
+            <a:lstStyle/>
+            <a:p>
+              <a:pPr algn="just"/>
+              <a:endParaRPr lang="uk-UA" dirty="0" err="1" smtClean="0">
+                <a:solidFill>
+                  <a:schemeClr val="bg1"/>
+                </a:solidFill>
+                <a:latin typeface="Arial" panose="020B0604020202020204" pitchFamily="34" charset="0"/>
+                <a:cs typeface="Arial" panose="020B0604020202020204" pitchFamily="34" charset="0"/>
+              </a:endParaRPr>
+            </a:p>
+          </p:txBody>
+        </p:sp>
+        <p:sp>
+          <p:nvSpPr>
+            <p:cNvPr id="32" name="Кольцо 18"/>
+            <p:cNvSpPr/>
+            <p:nvPr/>
+          </p:nvSpPr>
+          <p:spPr>
+            <a:xfrm>
+              <a:off x="6401123" y="2938160"/>
+              <a:ext cx="848994" cy="820897"/>
+            </a:xfrm>
+            <a:prstGeom prst="donut">
+              <a:avLst/>
+            </a:prstGeom>
+            <a:solidFill>
+              <a:srgbClr val="00B0F0"/>
+            </a:solidFill>
+            <a:ln>
+              <a:noFill/>
+              <a:prstDash val="sysDash"/>
+            </a:ln>
+          </p:spPr>
+          <p:style>
+            <a:lnRef idx="2">
+              <a:schemeClr val="accent1">
+                <a:shade val="50000"/>
+              </a:schemeClr>
+            </a:lnRef>
+            <a:fillRef idx="1">
+              <a:schemeClr val="accent1"/>
+            </a:fillRef>
+            <a:effectRef idx="0">
+              <a:schemeClr val="accent1"/>
+            </a:effectRef>
+            <a:fontRef idx="minor">
+              <a:schemeClr val="lt1"/>
+            </a:fontRef>
+          </p:style>
+          <p:txBody>
+            <a:bodyPr rot="0" spcFirstLastPara="0" vertOverflow="overflow" horzOverflow="overflow" vert="horz" wrap="square" lIns="91440" tIns="45720" rIns="91440" bIns="45720" numCol="1" spcCol="0" rtlCol="0" fromWordArt="0" anchor="t" anchorCtr="0" forceAA="0" compatLnSpc="1">
+              <a:prstTxWarp prst="textNoShape">
+                <a:avLst/>
+              </a:prstTxWarp>
+              <a:noAutofit/>
+            </a:bodyPr>
+            <a:lstStyle/>
+            <a:p>
+              <a:pPr algn="just"/>
+              <a:endParaRPr lang="uk-UA" dirty="0" err="1" smtClean="0">
+                <a:solidFill>
+                  <a:schemeClr val="bg1"/>
+                </a:solidFill>
+                <a:latin typeface="Arial" panose="020B0604020202020204" pitchFamily="34" charset="0"/>
+                <a:cs typeface="Arial" panose="020B0604020202020204" pitchFamily="34" charset="0"/>
+              </a:endParaRPr>
+            </a:p>
+          </p:txBody>
+        </p:sp>
+        <p:sp>
+          <p:nvSpPr>
+            <p:cNvPr id="33" name="Овал 19"/>
+            <p:cNvSpPr/>
+            <p:nvPr/>
+          </p:nvSpPr>
+          <p:spPr>
+            <a:xfrm>
+              <a:off x="6401123" y="2938160"/>
+              <a:ext cx="848994" cy="820897"/>
+            </a:xfrm>
+            <a:prstGeom prst="ellipse">
+              <a:avLst/>
+            </a:prstGeom>
+            <a:noFill/>
+            <a:ln w="215900">
+              <a:solidFill>
+                <a:srgbClr val="00B0F0"/>
+              </a:solidFill>
+              <a:prstDash val="sysDot"/>
+            </a:ln>
+          </p:spPr>
+          <p:style>
+            <a:lnRef idx="2">
+              <a:schemeClr val="accent1">
+                <a:shade val="50000"/>
+              </a:schemeClr>
+            </a:lnRef>
+            <a:fillRef idx="1">
+              <a:schemeClr val="accent1"/>
+            </a:fillRef>
+            <a:effectRef idx="0">
+              <a:schemeClr val="accent1"/>
+            </a:effectRef>
+            <a:fontRef idx="minor">
+              <a:schemeClr val="lt1"/>
+            </a:fontRef>
+          </p:style>
+          <p:txBody>
+            <a:bodyPr rot="0" spcFirstLastPara="0" vertOverflow="overflow" horzOverflow="overflow" vert="horz" wrap="square" lIns="91440" tIns="45720" rIns="91440" bIns="45720" numCol="1" spcCol="0" rtlCol="0" fromWordArt="0" anchor="t" anchorCtr="0" forceAA="0" compatLnSpc="1">
+              <a:prstTxWarp prst="textNoShape">
+                <a:avLst/>
+              </a:prstTxWarp>
+              <a:noAutofit/>
+            </a:bodyPr>
+            <a:lstStyle/>
+            <a:p>
+              <a:pPr algn="just"/>
+              <a:endParaRPr lang="uk-UA" dirty="0" err="1" smtClean="0">
+                <a:solidFill>
+                  <a:schemeClr val="bg1"/>
+                </a:solidFill>
+                <a:latin typeface="Arial" panose="020B0604020202020204" pitchFamily="34" charset="0"/>
+                <a:cs typeface="Arial" panose="020B0604020202020204" pitchFamily="34" charset="0"/>
+              </a:endParaRPr>
+            </a:p>
+          </p:txBody>
+        </p:sp>
+        <p:sp>
+          <p:nvSpPr>
+            <p:cNvPr id="34" name="Кольцо 22"/>
+            <p:cNvSpPr/>
+            <p:nvPr/>
+          </p:nvSpPr>
+          <p:spPr>
+            <a:xfrm>
+              <a:off x="4139952" y="1858039"/>
+              <a:ext cx="848994" cy="820897"/>
+            </a:xfrm>
+            <a:prstGeom prst="donut">
+              <a:avLst/>
+            </a:prstGeom>
+            <a:solidFill>
+              <a:srgbClr val="0070C0"/>
+            </a:solidFill>
+            <a:ln>
+              <a:noFill/>
+              <a:prstDash val="sysDash"/>
+            </a:ln>
+          </p:spPr>
+          <p:style>
+            <a:lnRef idx="2">
+              <a:schemeClr val="accent1">
+                <a:shade val="50000"/>
+              </a:schemeClr>
+            </a:lnRef>
+            <a:fillRef idx="1">
+              <a:schemeClr val="accent1"/>
+            </a:fillRef>
+            <a:effectRef idx="0">
+              <a:schemeClr val="accent1"/>
+            </a:effectRef>
+            <a:fontRef idx="minor">
+              <a:schemeClr val="lt1"/>
+            </a:fontRef>
+          </p:style>
+          <p:txBody>
+            <a:bodyPr rot="0" spcFirstLastPara="0" vertOverflow="overflow" horzOverflow="overflow" vert="horz" wrap="square" lIns="91440" tIns="45720" rIns="91440" bIns="45720" numCol="1" spcCol="0" rtlCol="0" fromWordArt="0" anchor="t" anchorCtr="0" forceAA="0" compatLnSpc="1">
+              <a:prstTxWarp prst="textNoShape">
+                <a:avLst/>
+              </a:prstTxWarp>
+              <a:noAutofit/>
+            </a:bodyPr>
+            <a:lstStyle/>
+            <a:p>
+              <a:pPr algn="just"/>
+              <a:endParaRPr lang="uk-UA" dirty="0" err="1" smtClean="0">
+                <a:solidFill>
+                  <a:schemeClr val="bg1"/>
+                </a:solidFill>
+                <a:latin typeface="Arial" panose="020B0604020202020204" pitchFamily="34" charset="0"/>
+                <a:cs typeface="Arial" panose="020B0604020202020204" pitchFamily="34" charset="0"/>
+              </a:endParaRPr>
+            </a:p>
+          </p:txBody>
+        </p:sp>
+        <p:sp>
+          <p:nvSpPr>
+            <p:cNvPr id="35" name="Овал 23"/>
+            <p:cNvSpPr/>
+            <p:nvPr/>
+          </p:nvSpPr>
+          <p:spPr>
+            <a:xfrm>
+              <a:off x="4139952" y="1858039"/>
+              <a:ext cx="848994" cy="820897"/>
+            </a:xfrm>
+            <a:prstGeom prst="ellipse">
+              <a:avLst/>
+            </a:prstGeom>
+            <a:noFill/>
+            <a:ln w="215900">
+              <a:solidFill>
+                <a:srgbClr val="0070C0"/>
+              </a:solidFill>
+              <a:prstDash val="sysDot"/>
+            </a:ln>
+          </p:spPr>
+          <p:style>
+            <a:lnRef idx="2">
+              <a:schemeClr val="accent1">
+                <a:shade val="50000"/>
+              </a:schemeClr>
+            </a:lnRef>
+            <a:fillRef idx="1">
+              <a:schemeClr val="accent1"/>
+            </a:fillRef>
+            <a:effectRef idx="0">
+              <a:schemeClr val="accent1"/>
+            </a:effectRef>
+            <a:fontRef idx="minor">
+              <a:schemeClr val="lt1"/>
+            </a:fontRef>
+          </p:style>
+          <p:txBody>
+            <a:bodyPr rot="0" spcFirstLastPara="0" vertOverflow="overflow" horzOverflow="overflow" vert="horz" wrap="square" lIns="91440" tIns="45720" rIns="91440" bIns="45720" numCol="1" spcCol="0" rtlCol="0" fromWordArt="0" anchor="t" anchorCtr="0" forceAA="0" compatLnSpc="1">
+              <a:prstTxWarp prst="textNoShape">
+                <a:avLst/>
+              </a:prstTxWarp>
+              <a:noAutofit/>
+            </a:bodyPr>
+            <a:lstStyle/>
+            <a:p>
+              <a:pPr algn="just"/>
+              <a:endParaRPr lang="uk-UA" dirty="0" err="1" smtClean="0">
+                <a:solidFill>
+                  <a:schemeClr val="bg1"/>
                 </a:solidFill>
                 <a:latin typeface="Arial" panose="020B0604020202020204" pitchFamily="34" charset="0"/>
                 <a:cs typeface="Arial" panose="020B0604020202020204" pitchFamily="34" charset="0"/>
@@ -17141,17 +18160,7 @@
                 <a:latin typeface="Arial" panose="020B0604020202020204" pitchFamily="34" charset="0"/>
                 <a:cs typeface="Arial" panose="020B0604020202020204" pitchFamily="34" charset="0"/>
               </a:rPr>
-              <a:t>Guide </a:t>
-            </a:r>
-            <a:r>
-              <a:rPr lang="en-US" dirty="0" smtClean="0">
-                <a:solidFill>
-                  <a:srgbClr val="0070C0"/>
-                </a:solidFill>
-                <a:latin typeface="Arial" panose="020B0604020202020204" pitchFamily="34" charset="0"/>
-                <a:cs typeface="Arial" panose="020B0604020202020204" pitchFamily="34" charset="0"/>
-              </a:rPr>
-              <a:t>to the </a:t>
+              <a:t>Guide to the </a:t>
             </a:r>
             <a:r>
               <a:rPr lang="en-US" dirty="0" err="1" smtClean="0">
@@ -17258,29 +18267,7 @@
                 <a:cs typeface="Arial" panose="020B0604020202020204" pitchFamily="34" charset="0"/>
                 <a:hlinkClick r:id="rId2"/>
               </a:rPr>
-              <a:t>http</a:t>
-            </a:r>
-            <a:r>
-              <a:rPr lang="en-GB" dirty="0" smtClean="0">
-                <a:solidFill>
-                  <a:srgbClr val="0070C0"/>
-                </a:solidFill>
-                <a:latin typeface="Arial" panose="020B0604020202020204" pitchFamily="34" charset="0"/>
-                <a:cs typeface="Arial" panose="020B0604020202020204" pitchFamily="34" charset="0"/>
-                <a:hlinkClick r:id="rId2"/>
-              </a:rPr>
-              <a:t>://</a:t>
-            </a:r>
-            <a:r>
-              <a:rPr lang="en-GB" dirty="0" smtClean="0">
-                <a:solidFill>
-                  <a:srgbClr val="0070C0"/>
-                </a:solidFill>
-                <a:latin typeface="Arial" panose="020B0604020202020204" pitchFamily="34" charset="0"/>
-                <a:cs typeface="Arial" panose="020B0604020202020204" pitchFamily="34" charset="0"/>
-                <a:hlinkClick r:id="rId2"/>
-              </a:rPr>
-              <a:t>www.pmi.org/</a:t>
+              <a:t>http://www.pmi.org/</a:t>
             </a:r>
             <a:endParaRPr lang="en-GB" dirty="0" smtClean="0">
               <a:solidFill>
@@ -17317,29 +18304,7 @@
                 <a:cs typeface="Arial" panose="020B0604020202020204" pitchFamily="34" charset="0"/>
                 <a:hlinkClick r:id="rId3"/>
               </a:rPr>
-              <a:t>http</a:t>
-            </a:r>
-            <a:r>
-              <a:rPr lang="en-US" dirty="0" smtClean="0">
-                <a:solidFill>
-                  <a:srgbClr val="0070C0"/>
-                </a:solidFill>
-                <a:latin typeface="Arial" panose="020B0604020202020204" pitchFamily="34" charset="0"/>
-                <a:cs typeface="Arial" panose="020B0604020202020204" pitchFamily="34" charset="0"/>
-                <a:hlinkClick r:id="rId3"/>
-              </a:rPr>
-              <a:t>://www.projectmanagement.com</a:t>
-            </a:r>
-            <a:r>
-              <a:rPr lang="en-US" dirty="0" smtClean="0">
-                <a:solidFill>
-                  <a:srgbClr val="0070C0"/>
-                </a:solidFill>
-                <a:latin typeface="Arial" panose="020B0604020202020204" pitchFamily="34" charset="0"/>
-                <a:cs typeface="Arial" panose="020B0604020202020204" pitchFamily="34" charset="0"/>
-                <a:hlinkClick r:id="rId3"/>
-              </a:rPr>
-              <a:t>/</a:t>
+              <a:t>http://www.projectmanagement.com/</a:t>
             </a:r>
             <a:endParaRPr lang="en-US" dirty="0" smtClean="0">
               <a:solidFill>
@@ -17421,6 +18386,146 @@
           <a:chExt cx="0" cy="0"/>
         </a:xfrm>
       </p:grpSpPr>
+      <p:sp>
+        <p:nvSpPr>
+          <p:cNvPr id="4" name="TextBox 3"/>
+          <p:cNvSpPr txBox="1"/>
+          <p:nvPr/>
+        </p:nvSpPr>
+        <p:spPr>
+          <a:xfrm>
+            <a:off x="0" y="1376772"/>
+            <a:ext cx="9144000" cy="2646878"/>
+          </a:xfrm>
+          <a:prstGeom prst="rect">
+            <a:avLst/>
+          </a:prstGeom>
+          <a:noFill/>
+        </p:spPr>
+        <p:txBody>
+          <a:bodyPr wrap="square" rtlCol="0">
+            <a:spAutoFit/>
+          </a:bodyPr>
+          <a:lstStyle/>
+          <a:p>
+            <a:pPr algn="ctr"/>
+            <a:r>
+              <a:rPr lang="en-US" sz="16600" b="1" dirty="0" smtClean="0">
+                <a:solidFill>
+                  <a:srgbClr val="0070C0"/>
+                </a:solidFill>
+                <a:latin typeface="Century Gothic" pitchFamily="34" charset="0"/>
+              </a:rPr>
+              <a:t>Q&amp;A</a:t>
+            </a:r>
+            <a:endParaRPr lang="en-GB" sz="16600" b="1" dirty="0">
+              <a:solidFill>
+                <a:srgbClr val="0070C0"/>
+              </a:solidFill>
+              <a:latin typeface="Century Gothic" pitchFamily="34" charset="0"/>
+            </a:endParaRPr>
+          </a:p>
+        </p:txBody>
+      </p:sp>
+      <p:sp>
+        <p:nvSpPr>
+          <p:cNvPr id="6" name="Прямоугольник 10"/>
+          <p:cNvSpPr/>
+          <p:nvPr/>
+        </p:nvSpPr>
+        <p:spPr>
+          <a:xfrm>
+            <a:off x="457200" y="4401108"/>
+            <a:ext cx="3502732" cy="1296144"/>
+          </a:xfrm>
+          <a:prstGeom prst="rect">
+            <a:avLst/>
+          </a:prstGeom>
+          <a:noFill/>
+          <a:ln>
+            <a:noFill/>
+          </a:ln>
+        </p:spPr>
+        <p:style>
+          <a:lnRef idx="2">
+            <a:schemeClr val="accent1">
+              <a:shade val="50000"/>
+            </a:schemeClr>
+          </a:lnRef>
+          <a:fillRef idx="1">
+            <a:schemeClr val="accent1"/>
+          </a:fillRef>
+          <a:effectRef idx="0">
+            <a:schemeClr val="accent1"/>
+          </a:effectRef>
+          <a:fontRef idx="minor">
+            <a:schemeClr val="lt1"/>
+          </a:fontRef>
+        </p:style>
+        <p:txBody>
+          <a:bodyPr rot="0" spcFirstLastPara="0" vertOverflow="overflow" horzOverflow="overflow" vert="horz" wrap="square" lIns="91440" tIns="45720" rIns="91440" bIns="45720" numCol="1" spcCol="0" rtlCol="0" fromWordArt="0" anchor="t" anchorCtr="0" forceAA="0" compatLnSpc="1">
+            <a:prstTxWarp prst="textNoShape">
+              <a:avLst/>
+            </a:prstTxWarp>
+            <a:noAutofit/>
+          </a:bodyPr>
+          <a:lstStyle/>
+          <a:p>
+            <a:pPr algn="just"/>
+            <a:r>
+              <a:rPr lang="en-US" noProof="1" smtClean="0">
+                <a:solidFill>
+                  <a:srgbClr val="0070C0"/>
+                </a:solidFill>
+                <a:latin typeface="Arial" panose="020B0604020202020204" pitchFamily="34" charset="0"/>
+                <a:cs typeface="Arial" panose="020B0604020202020204" pitchFamily="34" charset="0"/>
+              </a:rPr>
+              <a:t>Have got any questions?</a:t>
+            </a:r>
+          </a:p>
+          <a:p>
+            <a:pPr algn="just"/>
+            <a:r>
+              <a:rPr lang="en-US" noProof="1" smtClean="0">
+                <a:solidFill>
+                  <a:srgbClr val="0070C0"/>
+                </a:solidFill>
+                <a:latin typeface="Arial" panose="020B0604020202020204" pitchFamily="34" charset="0"/>
+                <a:cs typeface="Arial" panose="020B0604020202020204" pitchFamily="34" charset="0"/>
+              </a:rPr>
+              <a:t>Please, feel free contacting me</a:t>
+            </a:r>
+            <a:endParaRPr lang="en-US" noProof="1" smtClean="0">
+              <a:solidFill>
+                <a:srgbClr val="0070C0"/>
+              </a:solidFill>
+              <a:latin typeface="Arial" panose="020B0604020202020204" pitchFamily="34" charset="0"/>
+              <a:cs typeface="Arial" panose="020B0604020202020204" pitchFamily="34" charset="0"/>
+            </a:endParaRPr>
+          </a:p>
+          <a:p>
+            <a:pPr algn="just"/>
+            <a:r>
+              <a:rPr lang="en-US" sz="1400" noProof="1" smtClean="0">
+                <a:solidFill>
+                  <a:srgbClr val="0070C0"/>
+                </a:solidFill>
+                <a:latin typeface="Arial" panose="020B0604020202020204" pitchFamily="34" charset="0"/>
+                <a:cs typeface="Arial" panose="020B0604020202020204" pitchFamily="34" charset="0"/>
+                <a:hlinkClick r:id="rId2"/>
+              </a:rPr>
+              <a:t>oleksiy.rudenko@gmail.com</a:t>
+            </a:r>
+            <a:endParaRPr lang="en-US" sz="1400" noProof="1" smtClean="0">
+              <a:solidFill>
+                <a:srgbClr val="0070C0"/>
+              </a:solidFill>
+              <a:latin typeface="Arial" panose="020B0604020202020204" pitchFamily="34" charset="0"/>
+              <a:cs typeface="Arial" panose="020B0604020202020204" pitchFamily="34" charset="0"/>
+            </a:endParaRPr>
+          </a:p>
+        </p:txBody>
+      </p:sp>
     </p:spTree>
     <p:extLst>
       <p:ext uri="{BB962C8B-B14F-4D97-AF65-F5344CB8AC3E}">
@@ -17801,35 +18906,8 @@
                 <a:latin typeface="Arial" panose="020B0604020202020204" pitchFamily="34" charset="0"/>
                 <a:cs typeface="Arial" panose="020B0604020202020204" pitchFamily="34" charset="0"/>
               </a:rPr>
-              <a:t>Oleksiy</a:t>
+              <a:t>Oleksiy Rudenko</a:t>
             </a:r>
-            <a:r>
-              <a:rPr lang="en-US" noProof="1" smtClean="0">
-                <a:solidFill>
-                  <a:srgbClr val="0070C0"/>
-                </a:solidFill>
-                <a:latin typeface="Arial" panose="020B0604020202020204" pitchFamily="34" charset="0"/>
-                <a:cs typeface="Arial" panose="020B0604020202020204" pitchFamily="34" charset="0"/>
-              </a:rPr>
-              <a:t> </a:t>
-            </a:r>
-            <a:r>
-              <a:rPr lang="en-US" noProof="1" smtClean="0">
-                <a:solidFill>
-                  <a:srgbClr val="0070C0"/>
-                </a:solidFill>
-                <a:latin typeface="Arial" panose="020B0604020202020204" pitchFamily="34" charset="0"/>
-                <a:cs typeface="Arial" panose="020B0604020202020204" pitchFamily="34" charset="0"/>
-              </a:rPr>
-              <a:t>Rudenko</a:t>
-            </a:r>
-            <a:endParaRPr lang="en-US" noProof="1" smtClean="0">
-              <a:solidFill>
-                <a:srgbClr val="0070C0"/>
-              </a:solidFill>
-              <a:latin typeface="Arial" panose="020B0604020202020204" pitchFamily="34" charset="0"/>
-              <a:cs typeface="Arial" panose="020B0604020202020204" pitchFamily="34" charset="0"/>
-            </a:endParaRPr>
           </a:p>
           <a:p>
             <a:pPr algn="just"/>
@@ -17841,27 +18919,7 @@
                 <a:latin typeface="Arial" panose="020B0604020202020204" pitchFamily="34" charset="0"/>
                 <a:cs typeface="Arial" panose="020B0604020202020204" pitchFamily="34" charset="0"/>
               </a:rPr>
-              <a:t>LL.M</a:t>
-            </a:r>
-            <a:r>
-              <a:rPr lang="en-US" noProof="1" smtClean="0">
-                <a:solidFill>
-                  <a:srgbClr val="0070C0"/>
-                </a:solidFill>
-                <a:latin typeface="Arial" panose="020B0604020202020204" pitchFamily="34" charset="0"/>
-                <a:cs typeface="Arial" panose="020B0604020202020204" pitchFamily="34" charset="0"/>
-              </a:rPr>
-              <a:t>., </a:t>
-            </a:r>
-            <a:r>
-              <a:rPr lang="en-US" noProof="1" smtClean="0">
-                <a:solidFill>
-                  <a:srgbClr val="0070C0"/>
-                </a:solidFill>
-                <a:latin typeface="Arial" panose="020B0604020202020204" pitchFamily="34" charset="0"/>
-                <a:cs typeface="Arial" panose="020B0604020202020204" pitchFamily="34" charset="0"/>
-              </a:rPr>
-              <a:t>M.Ec.</a:t>
+              <a:t>LL.M., M.Ec.</a:t>
             </a:r>
           </a:p>
           <a:p>
@@ -18363,73 +19421,717 @@
           </a:p>
         </p:txBody>
       </p:sp>
-      <p:sp>
-        <p:nvSpPr>
-          <p:cNvPr id="13" name="24-конечная звезда 12"/>
-          <p:cNvSpPr/>
+      <p:grpSp>
+        <p:nvGrpSpPr>
+          <p:cNvPr id="8" name="Группа 24"/>
+          <p:cNvGrpSpPr/>
           <p:nvPr/>
-        </p:nvSpPr>
-        <p:spPr>
-          <a:xfrm>
-            <a:off x="5796136" y="3933056"/>
-            <a:ext cx="2591975" cy="2376264"/>
+        </p:nvGrpSpPr>
+        <p:grpSpPr>
+          <a:xfrm rot="8062538">
+            <a:off x="5421815" y="5373281"/>
+            <a:ext cx="5333199" cy="1901018"/>
+            <a:chOff x="1916918" y="1858039"/>
+            <a:chExt cx="5333199" cy="1901018"/>
           </a:xfrm>
-          <a:prstGeom prst="star24">
-            <a:avLst/>
-          </a:prstGeom>
-          <a:solidFill>
-            <a:srgbClr val="FF0000"/>
-          </a:solidFill>
-          <a:ln>
-            <a:noFill/>
-          </a:ln>
-        </p:spPr>
-        <p:style>
-          <a:lnRef idx="2">
-            <a:schemeClr val="accent1">
-              <a:shade val="50000"/>
-            </a:schemeClr>
-          </a:lnRef>
-          <a:fillRef idx="1">
-            <a:schemeClr val="accent1"/>
-          </a:fillRef>
-          <a:effectRef idx="0">
-            <a:schemeClr val="accent1"/>
-          </a:effectRef>
-          <a:fontRef idx="minor">
-            <a:schemeClr val="lt1"/>
-          </a:fontRef>
-        </p:style>
-        <p:txBody>
-          <a:bodyPr rot="0" spcFirstLastPara="0" vertOverflow="overflow" horzOverflow="overflow" vert="horz" wrap="square" lIns="91440" tIns="45720" rIns="91440" bIns="45720" numCol="1" spcCol="0" rtlCol="0" fromWordArt="0" anchor="t" anchorCtr="0" forceAA="0" compatLnSpc="1">
-            <a:prstTxWarp prst="textNoShape">
+        </p:grpSpPr>
+        <p:sp>
+          <p:nvSpPr>
+            <p:cNvPr id="9" name="Знак запрета 4"/>
+            <p:cNvSpPr/>
+            <p:nvPr/>
+          </p:nvSpPr>
+          <p:spPr>
+            <a:xfrm>
+              <a:off x="2699792" y="2268488"/>
+              <a:ext cx="1440160" cy="1368152"/>
+            </a:xfrm>
+            <a:prstGeom prst="noSmoking">
               <a:avLst/>
-            </a:prstTxWarp>
-            <a:noAutofit/>
-          </a:bodyPr>
-          <a:lstStyle/>
-          <a:p>
-            <a:pPr algn="just"/>
-            <a:r>
-              <a:rPr lang="en-US" sz="1400" dirty="0" smtClean="0">
-                <a:solidFill>
-                  <a:srgbClr val="FFC000"/>
+            </a:prstGeom>
+            <a:solidFill>
+              <a:srgbClr val="FFC000"/>
+            </a:solidFill>
+            <a:ln>
+              <a:noFill/>
+              <a:prstDash val="sysDash"/>
+            </a:ln>
+          </p:spPr>
+          <p:style>
+            <a:lnRef idx="2">
+              <a:schemeClr val="accent1">
+                <a:shade val="50000"/>
+              </a:schemeClr>
+            </a:lnRef>
+            <a:fillRef idx="1">
+              <a:schemeClr val="accent1"/>
+            </a:fillRef>
+            <a:effectRef idx="0">
+              <a:schemeClr val="accent1"/>
+            </a:effectRef>
+            <a:fontRef idx="minor">
+              <a:schemeClr val="lt1"/>
+            </a:fontRef>
+          </p:style>
+          <p:txBody>
+            <a:bodyPr rot="0" spcFirstLastPara="0" vertOverflow="overflow" horzOverflow="overflow" vert="horz" wrap="square" lIns="91440" tIns="45720" rIns="91440" bIns="45720" numCol="1" spcCol="0" rtlCol="0" fromWordArt="0" anchor="t" anchorCtr="0" forceAA="0" compatLnSpc="1">
+              <a:prstTxWarp prst="textNoShape">
+                <a:avLst/>
+              </a:prstTxWarp>
+              <a:noAutofit/>
+            </a:bodyPr>
+            <a:lstStyle/>
+            <a:p>
+              <a:pPr algn="just"/>
+              <a:endParaRPr lang="uk-UA" dirty="0" err="1" smtClean="0">
+                <a:solidFill>
+                  <a:schemeClr val="bg1"/>
                 </a:solidFill>
                 <a:latin typeface="Arial" panose="020B0604020202020204" pitchFamily="34" charset="0"/>
                 <a:cs typeface="Arial" panose="020B0604020202020204" pitchFamily="34" charset="0"/>
-              </a:rPr>
-              <a:t>PMI not SDLC specific. However see ISSIG</a:t>
-            </a:r>
-            <a:endParaRPr lang="uk-UA" sz="1400" dirty="0" err="1" smtClean="0">
+              </a:endParaRPr>
+            </a:p>
+          </p:txBody>
+        </p:sp>
+        <p:sp>
+          <p:nvSpPr>
+            <p:cNvPr id="10" name="Овал 5"/>
+            <p:cNvSpPr/>
+            <p:nvPr/>
+          </p:nvSpPr>
+          <p:spPr>
+            <a:xfrm>
+              <a:off x="2699792" y="2268488"/>
+              <a:ext cx="1440160" cy="1368152"/>
+            </a:xfrm>
+            <a:prstGeom prst="ellipse">
+              <a:avLst/>
+            </a:prstGeom>
+            <a:noFill/>
+            <a:ln w="215900">
               <a:solidFill>
                 <a:srgbClr val="FFC000"/>
               </a:solidFill>
-              <a:latin typeface="Arial" panose="020B0604020202020204" pitchFamily="34" charset="0"/>
-              <a:cs typeface="Arial" panose="020B0604020202020204" pitchFamily="34" charset="0"/>
-            </a:endParaRPr>
-          </a:p>
-        </p:txBody>
-      </p:sp>
+              <a:prstDash val="sysDot"/>
+            </a:ln>
+          </p:spPr>
+          <p:style>
+            <a:lnRef idx="2">
+              <a:schemeClr val="accent1">
+                <a:shade val="50000"/>
+              </a:schemeClr>
+            </a:lnRef>
+            <a:fillRef idx="1">
+              <a:schemeClr val="accent1"/>
+            </a:fillRef>
+            <a:effectRef idx="0">
+              <a:schemeClr val="accent1"/>
+            </a:effectRef>
+            <a:fontRef idx="minor">
+              <a:schemeClr val="lt1"/>
+            </a:fontRef>
+          </p:style>
+          <p:txBody>
+            <a:bodyPr rot="0" spcFirstLastPara="0" vertOverflow="overflow" horzOverflow="overflow" vert="horz" wrap="square" lIns="91440" tIns="45720" rIns="91440" bIns="45720" numCol="1" spcCol="0" rtlCol="0" fromWordArt="0" anchor="t" anchorCtr="0" forceAA="0" compatLnSpc="1">
+              <a:prstTxWarp prst="textNoShape">
+                <a:avLst/>
+              </a:prstTxWarp>
+              <a:noAutofit/>
+            </a:bodyPr>
+            <a:lstStyle/>
+            <a:p>
+              <a:pPr algn="just"/>
+              <a:endParaRPr lang="uk-UA" dirty="0" err="1" smtClean="0">
+                <a:solidFill>
+                  <a:schemeClr val="bg1"/>
+                </a:solidFill>
+                <a:latin typeface="Arial" panose="020B0604020202020204" pitchFamily="34" charset="0"/>
+                <a:cs typeface="Arial" panose="020B0604020202020204" pitchFamily="34" charset="0"/>
+              </a:endParaRPr>
+            </a:p>
+          </p:txBody>
+        </p:sp>
+        <p:sp>
+          <p:nvSpPr>
+            <p:cNvPr id="11" name="Кольцо 6"/>
+            <p:cNvSpPr/>
+            <p:nvPr/>
+          </p:nvSpPr>
+          <p:spPr>
+            <a:xfrm>
+              <a:off x="5098058" y="1935280"/>
+              <a:ext cx="1440160" cy="1368152"/>
+            </a:xfrm>
+            <a:prstGeom prst="donut">
+              <a:avLst/>
+            </a:prstGeom>
+            <a:solidFill>
+              <a:srgbClr val="7030A0"/>
+            </a:solidFill>
+            <a:ln>
+              <a:noFill/>
+              <a:prstDash val="sysDash"/>
+            </a:ln>
+          </p:spPr>
+          <p:style>
+            <a:lnRef idx="2">
+              <a:schemeClr val="accent1">
+                <a:shade val="50000"/>
+              </a:schemeClr>
+            </a:lnRef>
+            <a:fillRef idx="1">
+              <a:schemeClr val="accent1"/>
+            </a:fillRef>
+            <a:effectRef idx="0">
+              <a:schemeClr val="accent1"/>
+            </a:effectRef>
+            <a:fontRef idx="minor">
+              <a:schemeClr val="lt1"/>
+            </a:fontRef>
+          </p:style>
+          <p:txBody>
+            <a:bodyPr rot="0" spcFirstLastPara="0" vertOverflow="overflow" horzOverflow="overflow" vert="horz" wrap="square" lIns="91440" tIns="45720" rIns="91440" bIns="45720" numCol="1" spcCol="0" rtlCol="0" fromWordArt="0" anchor="t" anchorCtr="0" forceAA="0" compatLnSpc="1">
+              <a:prstTxWarp prst="textNoShape">
+                <a:avLst/>
+              </a:prstTxWarp>
+              <a:noAutofit/>
+            </a:bodyPr>
+            <a:lstStyle/>
+            <a:p>
+              <a:pPr algn="just"/>
+              <a:endParaRPr lang="uk-UA" dirty="0" err="1" smtClean="0">
+                <a:solidFill>
+                  <a:schemeClr val="bg1"/>
+                </a:solidFill>
+                <a:latin typeface="Arial" panose="020B0604020202020204" pitchFamily="34" charset="0"/>
+                <a:cs typeface="Arial" panose="020B0604020202020204" pitchFamily="34" charset="0"/>
+              </a:endParaRPr>
+            </a:p>
+          </p:txBody>
+        </p:sp>
+        <p:sp>
+          <p:nvSpPr>
+            <p:cNvPr id="13" name="Овал 7"/>
+            <p:cNvSpPr/>
+            <p:nvPr/>
+          </p:nvSpPr>
+          <p:spPr>
+            <a:xfrm>
+              <a:off x="5098058" y="1935280"/>
+              <a:ext cx="1440160" cy="1368152"/>
+            </a:xfrm>
+            <a:prstGeom prst="ellipse">
+              <a:avLst/>
+            </a:prstGeom>
+            <a:noFill/>
+            <a:ln w="215900">
+              <a:solidFill>
+                <a:srgbClr val="7030A0"/>
+              </a:solidFill>
+              <a:prstDash val="sysDot"/>
+            </a:ln>
+          </p:spPr>
+          <p:style>
+            <a:lnRef idx="2">
+              <a:schemeClr val="accent1">
+                <a:shade val="50000"/>
+              </a:schemeClr>
+            </a:lnRef>
+            <a:fillRef idx="1">
+              <a:schemeClr val="accent1"/>
+            </a:fillRef>
+            <a:effectRef idx="0">
+              <a:schemeClr val="accent1"/>
+            </a:effectRef>
+            <a:fontRef idx="minor">
+              <a:schemeClr val="lt1"/>
+            </a:fontRef>
+          </p:style>
+          <p:txBody>
+            <a:bodyPr rot="0" spcFirstLastPara="0" vertOverflow="overflow" horzOverflow="overflow" vert="horz" wrap="square" lIns="91440" tIns="45720" rIns="91440" bIns="45720" numCol="1" spcCol="0" rtlCol="0" fromWordArt="0" anchor="t" anchorCtr="0" forceAA="0" compatLnSpc="1">
+              <a:prstTxWarp prst="textNoShape">
+                <a:avLst/>
+              </a:prstTxWarp>
+              <a:noAutofit/>
+            </a:bodyPr>
+            <a:lstStyle/>
+            <a:p>
+              <a:pPr algn="just"/>
+              <a:endParaRPr lang="uk-UA" dirty="0" err="1" smtClean="0">
+                <a:solidFill>
+                  <a:schemeClr val="bg1"/>
+                </a:solidFill>
+                <a:latin typeface="Arial" panose="020B0604020202020204" pitchFamily="34" charset="0"/>
+                <a:cs typeface="Arial" panose="020B0604020202020204" pitchFamily="34" charset="0"/>
+              </a:endParaRPr>
+            </a:p>
+          </p:txBody>
+        </p:sp>
+        <p:sp>
+          <p:nvSpPr>
+            <p:cNvPr id="14" name="Кольцо 12"/>
+            <p:cNvSpPr/>
+            <p:nvPr/>
+          </p:nvSpPr>
+          <p:spPr>
+            <a:xfrm>
+              <a:off x="4260718" y="2815743"/>
+              <a:ext cx="848994" cy="820897"/>
+            </a:xfrm>
+            <a:prstGeom prst="donut">
+              <a:avLst/>
+            </a:prstGeom>
+            <a:solidFill>
+              <a:srgbClr val="C00000"/>
+            </a:solidFill>
+            <a:ln>
+              <a:noFill/>
+              <a:prstDash val="sysDash"/>
+            </a:ln>
+          </p:spPr>
+          <p:style>
+            <a:lnRef idx="2">
+              <a:schemeClr val="accent1">
+                <a:shade val="50000"/>
+              </a:schemeClr>
+            </a:lnRef>
+            <a:fillRef idx="1">
+              <a:schemeClr val="accent1"/>
+            </a:fillRef>
+            <a:effectRef idx="0">
+              <a:schemeClr val="accent1"/>
+            </a:effectRef>
+            <a:fontRef idx="minor">
+              <a:schemeClr val="lt1"/>
+            </a:fontRef>
+          </p:style>
+          <p:txBody>
+            <a:bodyPr rot="0" spcFirstLastPara="0" vertOverflow="overflow" horzOverflow="overflow" vert="horz" wrap="square" lIns="91440" tIns="45720" rIns="91440" bIns="45720" numCol="1" spcCol="0" rtlCol="0" fromWordArt="0" anchor="t" anchorCtr="0" forceAA="0" compatLnSpc="1">
+              <a:prstTxWarp prst="textNoShape">
+                <a:avLst/>
+              </a:prstTxWarp>
+              <a:noAutofit/>
+            </a:bodyPr>
+            <a:lstStyle/>
+            <a:p>
+              <a:pPr algn="just"/>
+              <a:endParaRPr lang="uk-UA" dirty="0" err="1" smtClean="0">
+                <a:solidFill>
+                  <a:schemeClr val="bg1"/>
+                </a:solidFill>
+                <a:latin typeface="Arial" panose="020B0604020202020204" pitchFamily="34" charset="0"/>
+                <a:cs typeface="Arial" panose="020B0604020202020204" pitchFamily="34" charset="0"/>
+              </a:endParaRPr>
+            </a:p>
+          </p:txBody>
+        </p:sp>
+        <p:sp>
+          <p:nvSpPr>
+            <p:cNvPr id="15" name="Овал 13"/>
+            <p:cNvSpPr/>
+            <p:nvPr/>
+          </p:nvSpPr>
+          <p:spPr>
+            <a:xfrm>
+              <a:off x="4260718" y="2815743"/>
+              <a:ext cx="848994" cy="820897"/>
+            </a:xfrm>
+            <a:prstGeom prst="ellipse">
+              <a:avLst/>
+            </a:prstGeom>
+            <a:noFill/>
+            <a:ln w="215900">
+              <a:solidFill>
+                <a:srgbClr val="C00000"/>
+              </a:solidFill>
+              <a:prstDash val="sysDot"/>
+            </a:ln>
+          </p:spPr>
+          <p:style>
+            <a:lnRef idx="2">
+              <a:schemeClr val="accent1">
+                <a:shade val="50000"/>
+              </a:schemeClr>
+            </a:lnRef>
+            <a:fillRef idx="1">
+              <a:schemeClr val="accent1"/>
+            </a:fillRef>
+            <a:effectRef idx="0">
+              <a:schemeClr val="accent1"/>
+            </a:effectRef>
+            <a:fontRef idx="minor">
+              <a:schemeClr val="lt1"/>
+            </a:fontRef>
+          </p:style>
+          <p:txBody>
+            <a:bodyPr rot="0" spcFirstLastPara="0" vertOverflow="overflow" horzOverflow="overflow" vert="horz" wrap="square" lIns="91440" tIns="45720" rIns="91440" bIns="45720" numCol="1" spcCol="0" rtlCol="0" fromWordArt="0" anchor="t" anchorCtr="0" forceAA="0" compatLnSpc="1">
+              <a:prstTxWarp prst="textNoShape">
+                <a:avLst/>
+              </a:prstTxWarp>
+              <a:noAutofit/>
+            </a:bodyPr>
+            <a:lstStyle/>
+            <a:p>
+              <a:pPr algn="just"/>
+              <a:endParaRPr lang="uk-UA" dirty="0" err="1" smtClean="0">
+                <a:solidFill>
+                  <a:schemeClr val="bg1"/>
+                </a:solidFill>
+                <a:latin typeface="Arial" panose="020B0604020202020204" pitchFamily="34" charset="0"/>
+                <a:cs typeface="Arial" panose="020B0604020202020204" pitchFamily="34" charset="0"/>
+              </a:endParaRPr>
+            </a:p>
+          </p:txBody>
+        </p:sp>
+        <p:sp>
+          <p:nvSpPr>
+            <p:cNvPr id="16" name="Кольцо 15"/>
+            <p:cNvSpPr/>
+            <p:nvPr/>
+          </p:nvSpPr>
+          <p:spPr>
+            <a:xfrm rot="20941851">
+              <a:off x="1916918" y="1858040"/>
+              <a:ext cx="848994" cy="820897"/>
+            </a:xfrm>
+            <a:prstGeom prst="donut">
+              <a:avLst/>
+            </a:prstGeom>
+            <a:solidFill>
+              <a:srgbClr val="00B050"/>
+            </a:solidFill>
+            <a:ln>
+              <a:noFill/>
+              <a:prstDash val="sysDash"/>
+            </a:ln>
+          </p:spPr>
+          <p:style>
+            <a:lnRef idx="2">
+              <a:schemeClr val="accent1">
+                <a:shade val="50000"/>
+              </a:schemeClr>
+            </a:lnRef>
+            <a:fillRef idx="1">
+              <a:schemeClr val="accent1"/>
+            </a:fillRef>
+            <a:effectRef idx="0">
+              <a:schemeClr val="accent1"/>
+            </a:effectRef>
+            <a:fontRef idx="minor">
+              <a:schemeClr val="lt1"/>
+            </a:fontRef>
+          </p:style>
+          <p:txBody>
+            <a:bodyPr rot="0" spcFirstLastPara="0" vertOverflow="overflow" horzOverflow="overflow" vert="horz" wrap="square" lIns="91440" tIns="45720" rIns="91440" bIns="45720" numCol="1" spcCol="0" rtlCol="0" fromWordArt="0" anchor="t" anchorCtr="0" forceAA="0" compatLnSpc="1">
+              <a:prstTxWarp prst="textNoShape">
+                <a:avLst/>
+              </a:prstTxWarp>
+              <a:noAutofit/>
+            </a:bodyPr>
+            <a:lstStyle/>
+            <a:p>
+              <a:pPr algn="just"/>
+              <a:endParaRPr lang="uk-UA" dirty="0" err="1" smtClean="0">
+                <a:solidFill>
+                  <a:schemeClr val="bg1"/>
+                </a:solidFill>
+                <a:latin typeface="Arial" panose="020B0604020202020204" pitchFamily="34" charset="0"/>
+                <a:cs typeface="Arial" panose="020B0604020202020204" pitchFamily="34" charset="0"/>
+              </a:endParaRPr>
+            </a:p>
+          </p:txBody>
+        </p:sp>
+        <p:sp>
+          <p:nvSpPr>
+            <p:cNvPr id="17" name="Овал 16"/>
+            <p:cNvSpPr/>
+            <p:nvPr/>
+          </p:nvSpPr>
+          <p:spPr>
+            <a:xfrm rot="20941851">
+              <a:off x="1916918" y="1858040"/>
+              <a:ext cx="848994" cy="820897"/>
+            </a:xfrm>
+            <a:prstGeom prst="ellipse">
+              <a:avLst/>
+            </a:prstGeom>
+            <a:noFill/>
+            <a:ln w="215900">
+              <a:solidFill>
+                <a:srgbClr val="00B050"/>
+              </a:solidFill>
+              <a:prstDash val="sysDot"/>
+            </a:ln>
+          </p:spPr>
+          <p:style>
+            <a:lnRef idx="2">
+              <a:schemeClr val="accent1">
+                <a:shade val="50000"/>
+              </a:schemeClr>
+            </a:lnRef>
+            <a:fillRef idx="1">
+              <a:schemeClr val="accent1"/>
+            </a:fillRef>
+            <a:effectRef idx="0">
+              <a:schemeClr val="accent1"/>
+            </a:effectRef>
+            <a:fontRef idx="minor">
+              <a:schemeClr val="lt1"/>
+            </a:fontRef>
+          </p:style>
+          <p:txBody>
+            <a:bodyPr rot="0" spcFirstLastPara="0" vertOverflow="overflow" horzOverflow="overflow" vert="horz" wrap="square" lIns="91440" tIns="45720" rIns="91440" bIns="45720" numCol="1" spcCol="0" rtlCol="0" fromWordArt="0" anchor="t" anchorCtr="0" forceAA="0" compatLnSpc="1">
+              <a:prstTxWarp prst="textNoShape">
+                <a:avLst/>
+              </a:prstTxWarp>
+              <a:noAutofit/>
+            </a:bodyPr>
+            <a:lstStyle/>
+            <a:p>
+              <a:pPr algn="just"/>
+              <a:endParaRPr lang="uk-UA" dirty="0" err="1" smtClean="0">
+                <a:solidFill>
+                  <a:schemeClr val="bg1"/>
+                </a:solidFill>
+                <a:latin typeface="Arial" panose="020B0604020202020204" pitchFamily="34" charset="0"/>
+                <a:cs typeface="Arial" panose="020B0604020202020204" pitchFamily="34" charset="0"/>
+              </a:endParaRPr>
+            </a:p>
+          </p:txBody>
+        </p:sp>
+        <p:sp>
+          <p:nvSpPr>
+            <p:cNvPr id="18" name="Кольцо 18"/>
+            <p:cNvSpPr/>
+            <p:nvPr/>
+          </p:nvSpPr>
+          <p:spPr>
+            <a:xfrm>
+              <a:off x="6401123" y="2938160"/>
+              <a:ext cx="848994" cy="820897"/>
+            </a:xfrm>
+            <a:prstGeom prst="donut">
+              <a:avLst/>
+            </a:prstGeom>
+            <a:solidFill>
+              <a:srgbClr val="00B0F0"/>
+            </a:solidFill>
+            <a:ln>
+              <a:noFill/>
+              <a:prstDash val="sysDash"/>
+            </a:ln>
+          </p:spPr>
+          <p:style>
+            <a:lnRef idx="2">
+              <a:schemeClr val="accent1">
+                <a:shade val="50000"/>
+              </a:schemeClr>
+            </a:lnRef>
+            <a:fillRef idx="1">
+              <a:schemeClr val="accent1"/>
+            </a:fillRef>
+            <a:effectRef idx="0">
+              <a:schemeClr val="accent1"/>
+            </a:effectRef>
+            <a:fontRef idx="minor">
+              <a:schemeClr val="lt1"/>
+            </a:fontRef>
+          </p:style>
+          <p:txBody>
+            <a:bodyPr rot="0" spcFirstLastPara="0" vertOverflow="overflow" horzOverflow="overflow" vert="horz" wrap="square" lIns="91440" tIns="45720" rIns="91440" bIns="45720" numCol="1" spcCol="0" rtlCol="0" fromWordArt="0" anchor="t" anchorCtr="0" forceAA="0" compatLnSpc="1">
+              <a:prstTxWarp prst="textNoShape">
+                <a:avLst/>
+              </a:prstTxWarp>
+              <a:noAutofit/>
+            </a:bodyPr>
+            <a:lstStyle/>
+            <a:p>
+              <a:pPr algn="just"/>
+              <a:endParaRPr lang="uk-UA" dirty="0" err="1" smtClean="0">
+                <a:solidFill>
+                  <a:schemeClr val="bg1"/>
+                </a:solidFill>
+                <a:latin typeface="Arial" panose="020B0604020202020204" pitchFamily="34" charset="0"/>
+                <a:cs typeface="Arial" panose="020B0604020202020204" pitchFamily="34" charset="0"/>
+              </a:endParaRPr>
+            </a:p>
+          </p:txBody>
+        </p:sp>
+        <p:sp>
+          <p:nvSpPr>
+            <p:cNvPr id="19" name="Овал 19"/>
+            <p:cNvSpPr/>
+            <p:nvPr/>
+          </p:nvSpPr>
+          <p:spPr>
+            <a:xfrm>
+              <a:off x="6401123" y="2938160"/>
+              <a:ext cx="848994" cy="820897"/>
+            </a:xfrm>
+            <a:prstGeom prst="ellipse">
+              <a:avLst/>
+            </a:prstGeom>
+            <a:noFill/>
+            <a:ln w="215900">
+              <a:solidFill>
+                <a:srgbClr val="00B0F0"/>
+              </a:solidFill>
+              <a:prstDash val="sysDot"/>
+            </a:ln>
+          </p:spPr>
+          <p:style>
+            <a:lnRef idx="2">
+              <a:schemeClr val="accent1">
+                <a:shade val="50000"/>
+              </a:schemeClr>
+            </a:lnRef>
+            <a:fillRef idx="1">
+              <a:schemeClr val="accent1"/>
+            </a:fillRef>
+            <a:effectRef idx="0">
+              <a:schemeClr val="accent1"/>
+            </a:effectRef>
+            <a:fontRef idx="minor">
+              <a:schemeClr val="lt1"/>
+            </a:fontRef>
+          </p:style>
+          <p:txBody>
+            <a:bodyPr rot="0" spcFirstLastPara="0" vertOverflow="overflow" horzOverflow="overflow" vert="horz" wrap="square" lIns="91440" tIns="45720" rIns="91440" bIns="45720" numCol="1" spcCol="0" rtlCol="0" fromWordArt="0" anchor="t" anchorCtr="0" forceAA="0" compatLnSpc="1">
+              <a:prstTxWarp prst="textNoShape">
+                <a:avLst/>
+              </a:prstTxWarp>
+              <a:noAutofit/>
+            </a:bodyPr>
+            <a:lstStyle/>
+            <a:p>
+              <a:pPr algn="just"/>
+              <a:endParaRPr lang="uk-UA" dirty="0" err="1" smtClean="0">
+                <a:solidFill>
+                  <a:schemeClr val="bg1"/>
+                </a:solidFill>
+                <a:latin typeface="Arial" panose="020B0604020202020204" pitchFamily="34" charset="0"/>
+                <a:cs typeface="Arial" panose="020B0604020202020204" pitchFamily="34" charset="0"/>
+              </a:endParaRPr>
+            </a:p>
+          </p:txBody>
+        </p:sp>
+        <p:sp>
+          <p:nvSpPr>
+            <p:cNvPr id="20" name="Кольцо 22"/>
+            <p:cNvSpPr/>
+            <p:nvPr/>
+          </p:nvSpPr>
+          <p:spPr>
+            <a:xfrm>
+              <a:off x="4139952" y="1858039"/>
+              <a:ext cx="848994" cy="820897"/>
+            </a:xfrm>
+            <a:prstGeom prst="donut">
+              <a:avLst/>
+            </a:prstGeom>
+            <a:solidFill>
+              <a:srgbClr val="0070C0"/>
+            </a:solidFill>
+            <a:ln>
+              <a:noFill/>
+              <a:prstDash val="sysDash"/>
+            </a:ln>
+          </p:spPr>
+          <p:style>
+            <a:lnRef idx="2">
+              <a:schemeClr val="accent1">
+                <a:shade val="50000"/>
+              </a:schemeClr>
+            </a:lnRef>
+            <a:fillRef idx="1">
+              <a:schemeClr val="accent1"/>
+            </a:fillRef>
+            <a:effectRef idx="0">
+              <a:schemeClr val="accent1"/>
+            </a:effectRef>
+            <a:fontRef idx="minor">
+              <a:schemeClr val="lt1"/>
+            </a:fontRef>
+          </p:style>
+          <p:txBody>
+            <a:bodyPr rot="0" spcFirstLastPara="0" vertOverflow="overflow" horzOverflow="overflow" vert="horz" wrap="square" lIns="91440" tIns="45720" rIns="91440" bIns="45720" numCol="1" spcCol="0" rtlCol="0" fromWordArt="0" anchor="t" anchorCtr="0" forceAA="0" compatLnSpc="1">
+              <a:prstTxWarp prst="textNoShape">
+                <a:avLst/>
+              </a:prstTxWarp>
+              <a:noAutofit/>
+            </a:bodyPr>
+            <a:lstStyle/>
+            <a:p>
+              <a:pPr algn="just"/>
+              <a:endParaRPr lang="uk-UA" dirty="0" err="1" smtClean="0">
+                <a:solidFill>
+                  <a:schemeClr val="bg1"/>
+                </a:solidFill>
+                <a:latin typeface="Arial" panose="020B0604020202020204" pitchFamily="34" charset="0"/>
+                <a:cs typeface="Arial" panose="020B0604020202020204" pitchFamily="34" charset="0"/>
+              </a:endParaRPr>
+            </a:p>
+          </p:txBody>
+        </p:sp>
+        <p:sp>
+          <p:nvSpPr>
+            <p:cNvPr id="21" name="Овал 23"/>
+            <p:cNvSpPr/>
+            <p:nvPr/>
+          </p:nvSpPr>
+          <p:spPr>
+            <a:xfrm>
+              <a:off x="4139952" y="1858039"/>
+              <a:ext cx="848994" cy="820897"/>
+            </a:xfrm>
+            <a:prstGeom prst="ellipse">
+              <a:avLst/>
+            </a:prstGeom>
+            <a:noFill/>
+            <a:ln w="215900">
+              <a:solidFill>
+                <a:srgbClr val="0070C0"/>
+              </a:solidFill>
+              <a:prstDash val="sysDot"/>
+            </a:ln>
+          </p:spPr>
+          <p:style>
+            <a:lnRef idx="2">
+              <a:schemeClr val="accent1">
+                <a:shade val="50000"/>
+              </a:schemeClr>
+            </a:lnRef>
+            <a:fillRef idx="1">
+              <a:schemeClr val="accent1"/>
+            </a:fillRef>
+            <a:effectRef idx="0">
+              <a:schemeClr val="accent1"/>
+            </a:effectRef>
+            <a:fontRef idx="minor">
+              <a:schemeClr val="lt1"/>
+            </a:fontRef>
+          </p:style>
+          <p:txBody>
+            <a:bodyPr rot="0" spcFirstLastPara="0" vertOverflow="overflow" horzOverflow="overflow" vert="horz" wrap="square" lIns="91440" tIns="45720" rIns="91440" bIns="45720" numCol="1" spcCol="0" rtlCol="0" fromWordArt="0" anchor="t" anchorCtr="0" forceAA="0" compatLnSpc="1">
+              <a:prstTxWarp prst="textNoShape">
+                <a:avLst/>
+              </a:prstTxWarp>
+              <a:noAutofit/>
+            </a:bodyPr>
+            <a:lstStyle/>
+            <a:p>
+              <a:pPr algn="just"/>
+              <a:endParaRPr lang="uk-UA" dirty="0" err="1" smtClean="0">
+                <a:solidFill>
+                  <a:schemeClr val="bg1"/>
+                </a:solidFill>
+                <a:latin typeface="Arial" panose="020B0604020202020204" pitchFamily="34" charset="0"/>
+                <a:cs typeface="Arial" panose="020B0604020202020204" pitchFamily="34" charset="0"/>
+              </a:endParaRPr>
+            </a:p>
+          </p:txBody>
+        </p:sp>
+      </p:grpSp>
     </p:spTree>
     <p:extLst>
       <p:ext uri="{BB962C8B-B14F-4D97-AF65-F5344CB8AC3E}">
@@ -18554,6 +20256,78 @@
       </p:grpSpPr>
       <p:sp>
         <p:nvSpPr>
+          <p:cNvPr id="18" name="Скругленный прямоугольник 36"/>
+          <p:cNvSpPr/>
+          <p:nvPr/>
+        </p:nvSpPr>
+        <p:spPr>
+          <a:xfrm>
+            <a:off x="248650" y="5805264"/>
+            <a:ext cx="1947086" cy="864096"/>
+          </a:xfrm>
+          <a:prstGeom prst="roundRect">
+            <a:avLst>
+              <a:gd name="adj" fmla="val 5033"/>
+            </a:avLst>
+          </a:prstGeom>
+          <a:solidFill>
+            <a:schemeClr val="tx1">
+              <a:lumMod val="65000"/>
+              <a:lumOff val="35000"/>
+            </a:schemeClr>
+          </a:solidFill>
+          <a:ln>
+            <a:noFill/>
+          </a:ln>
+        </p:spPr>
+        <p:style>
+          <a:lnRef idx="2">
+            <a:schemeClr val="accent1">
+              <a:shade val="50000"/>
+            </a:schemeClr>
+          </a:lnRef>
+          <a:fillRef idx="1">
+            <a:schemeClr val="accent1"/>
+          </a:fillRef>
+          <a:effectRef idx="0">
+            <a:schemeClr val="accent1"/>
+          </a:effectRef>
+          <a:fontRef idx="minor">
+            <a:schemeClr val="lt1"/>
+          </a:fontRef>
+        </p:style>
+        <p:txBody>
+          <a:bodyPr rot="0" spcFirstLastPara="0" vertOverflow="overflow" horzOverflow="overflow" vert="horz" wrap="square" lIns="91440" tIns="0" rIns="91440" bIns="45720" numCol="1" spcCol="0" rtlCol="0" fromWordArt="0" anchor="t" anchorCtr="0" forceAA="0" compatLnSpc="1">
+            <a:prstTxWarp prst="textNoShape">
+              <a:avLst/>
+            </a:prstTxWarp>
+            <a:noAutofit/>
+          </a:bodyPr>
+          <a:lstStyle/>
+          <a:p>
+            <a:pPr algn="just"/>
+            <a:r>
+              <a:rPr lang="en-US" sz="1200" dirty="0" smtClean="0">
+                <a:solidFill>
+                  <a:schemeClr val="bg1"/>
+                </a:solidFill>
+                <a:latin typeface="Arial" panose="020B0604020202020204" pitchFamily="34" charset="0"/>
+                <a:cs typeface="Arial" panose="020B0604020202020204" pitchFamily="34" charset="0"/>
+              </a:rPr>
+              <a:t>Shortenings</a:t>
+            </a:r>
+            <a:endParaRPr lang="uk-UA" sz="1200" dirty="0" err="1" smtClean="0">
+              <a:solidFill>
+                <a:schemeClr val="bg1"/>
+              </a:solidFill>
+              <a:latin typeface="Arial" panose="020B0604020202020204" pitchFamily="34" charset="0"/>
+              <a:cs typeface="Arial" panose="020B0604020202020204" pitchFamily="34" charset="0"/>
+            </a:endParaRPr>
+          </a:p>
+        </p:txBody>
+      </p:sp>
+      <p:sp>
+        <p:nvSpPr>
           <p:cNvPr id="2" name="Заголовок 1"/>
           <p:cNvSpPr>
             <a:spLocks noGrp="1"/>
@@ -19373,18 +21147,19 @@
         </p:nvSpPr>
         <p:spPr>
           <a:xfrm>
-            <a:off x="107504" y="5949280"/>
-            <a:ext cx="2508256" cy="792088"/>
+            <a:off x="248650" y="6021288"/>
+            <a:ext cx="1947086" cy="792088"/>
           </a:xfrm>
-          <a:prstGeom prst="roundRect">
+          <a:prstGeom prst="round2SameRect">
             <a:avLst>
-              <a:gd name="adj" fmla="val 5033"/>
+              <a:gd name="adj1" fmla="val 0"/>
+              <a:gd name="adj2" fmla="val 8784"/>
             </a:avLst>
           </a:prstGeom>
           <a:solidFill>
-            <a:schemeClr val="tx2">
-              <a:lumMod val="60000"/>
-              <a:lumOff val="40000"/>
+            <a:schemeClr val="tx1">
+              <a:lumMod val="50000"/>
+              <a:lumOff val="50000"/>
             </a:schemeClr>
           </a:solidFill>
           <a:ln>
@@ -19425,7 +21200,7 @@
                 <a:latin typeface="Arial" panose="020B0604020202020204" pitchFamily="34" charset="0"/>
                 <a:cs typeface="Arial" panose="020B0604020202020204" pitchFamily="34" charset="0"/>
               </a:rPr>
-              <a:t>PrgM</a:t>
+              <a:t>PgM</a:t>
             </a:r>
             <a:r>
               <a:rPr lang="en-US" sz="1200" dirty="0" smtClean="0">
@@ -19447,6 +21222,23 @@
               </a:rPr>
               <a:t>– </a:t>
             </a:r>
+            <a:r>
+              <a:rPr lang="en-US" sz="1200" dirty="0" smtClean="0">
+                <a:solidFill>
+                  <a:schemeClr val="bg1"/>
+                </a:solidFill>
+                <a:latin typeface="Arial" panose="020B0604020202020204" pitchFamily="34" charset="0"/>
+                <a:cs typeface="Arial" panose="020B0604020202020204" pitchFamily="34" charset="0"/>
+              </a:rPr>
+              <a:t>Program Manager</a:t>
+            </a:r>
+            <a:endParaRPr lang="ru-RU" sz="1200" dirty="0" smtClean="0">
+              <a:solidFill>
+                <a:schemeClr val="bg1"/>
+              </a:solidFill>
+              <a:latin typeface="Arial" panose="020B0604020202020204" pitchFamily="34" charset="0"/>
+              <a:cs typeface="Arial" panose="020B0604020202020204" pitchFamily="34" charset="0"/>
+            </a:endParaRPr>
           </a:p>
           <a:p>
             <a:pPr algn="just"/>
@@ -19468,8 +21260,11 @@
                 <a:latin typeface="Arial" panose="020B0604020202020204" pitchFamily="34" charset="0"/>
                 <a:cs typeface="Arial" panose="020B0604020202020204" pitchFamily="34" charset="0"/>
               </a:rPr>
-              <a:t> – </a:t>
+              <a:t> – Portfolio Manager </a:t>
             </a:r>
+          </a:p>
+          <a:p>
+            <a:pPr algn="just"/>
             <a:r>
               <a:rPr lang="en-US" sz="1200" dirty="0" err="1" smtClean="0">
                 <a:solidFill>
@@ -19478,7 +21273,7 @@
                 <a:latin typeface="Arial" panose="020B0604020202020204" pitchFamily="34" charset="0"/>
                 <a:cs typeface="Arial" panose="020B0604020202020204" pitchFamily="34" charset="0"/>
               </a:rPr>
-              <a:t>ws</a:t>
+              <a:t>prg</a:t>
             </a:r>
             <a:r>
               <a:rPr lang="en-US" sz="1200" dirty="0" smtClean="0">
@@ -19488,68 +21283,34 @@
                 <a:latin typeface="Arial" panose="020B0604020202020204" pitchFamily="34" charset="0"/>
                 <a:cs typeface="Arial" panose="020B0604020202020204" pitchFamily="34" charset="0"/>
               </a:rPr>
-              <a:t> </a:t>
+              <a:t> – program</a:t>
+            </a:r>
+          </a:p>
+          <a:p>
+            <a:pPr algn="just"/>
+            <a:r>
+              <a:rPr lang="en-US" sz="1200" dirty="0" err="1" smtClean="0">
+                <a:solidFill>
+                  <a:schemeClr val="bg1"/>
+                </a:solidFill>
+                <a:latin typeface="Arial" panose="020B0604020202020204" pitchFamily="34" charset="0"/>
+                <a:cs typeface="Arial" panose="020B0604020202020204" pitchFamily="34" charset="0"/>
+              </a:rPr>
+              <a:t>prj</a:t>
+            </a:r>
+            <a:r>
+              <a:rPr lang="en-US" sz="1200" dirty="0" smtClean="0">
+                <a:solidFill>
+                  <a:schemeClr val="bg1"/>
+                </a:solidFill>
+                <a:latin typeface="Arial" panose="020B0604020202020204" pitchFamily="34" charset="0"/>
+                <a:cs typeface="Arial" panose="020B0604020202020204" pitchFamily="34" charset="0"/>
+              </a:rPr>
+              <a:t> – project</a:t>
             </a:r>
             <a:endParaRPr lang="uk-UA" sz="1200" dirty="0" err="1" smtClean="0">
               <a:solidFill>
                 <a:schemeClr val="bg1"/>
-              </a:solidFill>
-              <a:latin typeface="Arial" panose="020B0604020202020204" pitchFamily="34" charset="0"/>
-              <a:cs typeface="Arial" panose="020B0604020202020204" pitchFamily="34" charset="0"/>
-            </a:endParaRPr>
-          </a:p>
-        </p:txBody>
-      </p:sp>
-      <p:sp>
-        <p:nvSpPr>
-          <p:cNvPr id="17" name="24-конечная звезда 12"/>
-          <p:cNvSpPr/>
-          <p:nvPr/>
-        </p:nvSpPr>
-        <p:spPr>
-          <a:xfrm>
-            <a:off x="982699" y="5767469"/>
-            <a:ext cx="757866" cy="694794"/>
-          </a:xfrm>
-          <a:prstGeom prst="star24">
-            <a:avLst/>
-          </a:prstGeom>
-          <a:solidFill>
-            <a:srgbClr val="FF0000"/>
-          </a:solidFill>
-          <a:ln>
-            <a:noFill/>
-          </a:ln>
-        </p:spPr>
-        <p:style>
-          <a:lnRef idx="2">
-            <a:schemeClr val="accent1">
-              <a:shade val="50000"/>
-            </a:schemeClr>
-          </a:lnRef>
-          <a:fillRef idx="1">
-            <a:schemeClr val="accent1"/>
-          </a:fillRef>
-          <a:effectRef idx="0">
-            <a:schemeClr val="accent1"/>
-          </a:effectRef>
-          <a:fontRef idx="minor">
-            <a:schemeClr val="lt1"/>
-          </a:fontRef>
-        </p:style>
-        <p:txBody>
-          <a:bodyPr rot="0" spcFirstLastPara="0" vertOverflow="overflow" horzOverflow="overflow" vert="horz" wrap="square" lIns="91440" tIns="45720" rIns="91440" bIns="45720" numCol="1" spcCol="0" rtlCol="0" fromWordArt="0" anchor="t" anchorCtr="0" forceAA="0" compatLnSpc="1">
-            <a:prstTxWarp prst="textNoShape">
-              <a:avLst/>
-            </a:prstTxWarp>
-            <a:noAutofit/>
-          </a:bodyPr>
-          <a:lstStyle/>
-          <a:p>
-            <a:pPr algn="just"/>
-            <a:endParaRPr lang="uk-UA" sz="1400" dirty="0" err="1" smtClean="0">
-              <a:solidFill>
-                <a:srgbClr val="FFC000"/>
               </a:solidFill>
               <a:latin typeface="Arial" panose="020B0604020202020204" pitchFamily="34" charset="0"/>
               <a:cs typeface="Arial" panose="020B0604020202020204" pitchFamily="34" charset="0"/>
@@ -20576,7 +22337,7 @@
                 <a:latin typeface="Arial" panose="020B0604020202020204" pitchFamily="34" charset="0"/>
                 <a:cs typeface="Arial" panose="020B0604020202020204" pitchFamily="34" charset="0"/>
               </a:rPr>
-              <a:t>PrgM</a:t>
+              <a:t>PgM</a:t>
             </a:r>
             <a:r>
               <a:rPr lang="en-US" sz="1300" dirty="0" smtClean="0">
@@ -20812,7 +22573,7 @@
                 <a:latin typeface="Arial" panose="020B0604020202020204" pitchFamily="34" charset="0"/>
                 <a:cs typeface="Arial" panose="020B0604020202020204" pitchFamily="34" charset="0"/>
               </a:rPr>
-              <a:t>PrgM</a:t>
+              <a:t>PgM</a:t>
             </a:r>
             <a:r>
               <a:rPr lang="en-US" sz="1200" dirty="0" smtClean="0">
@@ -21048,7 +22809,7 @@
                 <a:latin typeface="Arial" panose="020B0604020202020204" pitchFamily="34" charset="0"/>
                 <a:cs typeface="Arial" panose="020B0604020202020204" pitchFamily="34" charset="0"/>
               </a:rPr>
-              <a:t>PrgM</a:t>
+              <a:t>PgM</a:t>
             </a:r>
             <a:r>
               <a:rPr lang="en-US" sz="1300" dirty="0" smtClean="0">
@@ -21520,7 +23281,7 @@
                 <a:latin typeface="Arial" panose="020B0604020202020204" pitchFamily="34" charset="0"/>
                 <a:cs typeface="Arial" panose="020B0604020202020204" pitchFamily="34" charset="0"/>
               </a:rPr>
-              <a:t>PrgM</a:t>
+              <a:t>PgM</a:t>
             </a:r>
             <a:r>
               <a:rPr lang="en-US" sz="1200" dirty="0" smtClean="0">
@@ -25984,6 +27745,717 @@
             <a:p>
               <a:pPr algn="just"/>
               <a:endParaRPr lang="uk-UA" sz="1400" dirty="0" err="1" smtClean="0">
+                <a:solidFill>
+                  <a:schemeClr val="bg1"/>
+                </a:solidFill>
+                <a:latin typeface="Arial" panose="020B0604020202020204" pitchFamily="34" charset="0"/>
+                <a:cs typeface="Arial" panose="020B0604020202020204" pitchFamily="34" charset="0"/>
+              </a:endParaRPr>
+            </a:p>
+          </p:txBody>
+        </p:sp>
+      </p:grpSp>
+      <p:grpSp>
+        <p:nvGrpSpPr>
+          <p:cNvPr id="106" name="Группа 24"/>
+          <p:cNvGrpSpPr/>
+          <p:nvPr/>
+        </p:nvGrpSpPr>
+        <p:grpSpPr>
+          <a:xfrm rot="11764593">
+            <a:off x="7755268" y="6182495"/>
+            <a:ext cx="5333199" cy="1901018"/>
+            <a:chOff x="1916918" y="1858039"/>
+            <a:chExt cx="5333199" cy="1901018"/>
+          </a:xfrm>
+        </p:grpSpPr>
+        <p:sp>
+          <p:nvSpPr>
+            <p:cNvPr id="107" name="Знак запрета 4"/>
+            <p:cNvSpPr/>
+            <p:nvPr/>
+          </p:nvSpPr>
+          <p:spPr>
+            <a:xfrm>
+              <a:off x="2699792" y="2268488"/>
+              <a:ext cx="1440160" cy="1368152"/>
+            </a:xfrm>
+            <a:prstGeom prst="noSmoking">
+              <a:avLst/>
+            </a:prstGeom>
+            <a:solidFill>
+              <a:srgbClr val="FFC000"/>
+            </a:solidFill>
+            <a:ln>
+              <a:noFill/>
+              <a:prstDash val="sysDash"/>
+            </a:ln>
+          </p:spPr>
+          <p:style>
+            <a:lnRef idx="2">
+              <a:schemeClr val="accent1">
+                <a:shade val="50000"/>
+              </a:schemeClr>
+            </a:lnRef>
+            <a:fillRef idx="1">
+              <a:schemeClr val="accent1"/>
+            </a:fillRef>
+            <a:effectRef idx="0">
+              <a:schemeClr val="accent1"/>
+            </a:effectRef>
+            <a:fontRef idx="minor">
+              <a:schemeClr val="lt1"/>
+            </a:fontRef>
+          </p:style>
+          <p:txBody>
+            <a:bodyPr rot="0" spcFirstLastPara="0" vertOverflow="overflow" horzOverflow="overflow" vert="horz" wrap="square" lIns="91440" tIns="45720" rIns="91440" bIns="45720" numCol="1" spcCol="0" rtlCol="0" fromWordArt="0" anchor="t" anchorCtr="0" forceAA="0" compatLnSpc="1">
+              <a:prstTxWarp prst="textNoShape">
+                <a:avLst/>
+              </a:prstTxWarp>
+              <a:noAutofit/>
+            </a:bodyPr>
+            <a:lstStyle/>
+            <a:p>
+              <a:pPr algn="just"/>
+              <a:endParaRPr lang="uk-UA" dirty="0" err="1" smtClean="0">
+                <a:solidFill>
+                  <a:schemeClr val="bg1"/>
+                </a:solidFill>
+                <a:latin typeface="Arial" panose="020B0604020202020204" pitchFamily="34" charset="0"/>
+                <a:cs typeface="Arial" panose="020B0604020202020204" pitchFamily="34" charset="0"/>
+              </a:endParaRPr>
+            </a:p>
+          </p:txBody>
+        </p:sp>
+        <p:sp>
+          <p:nvSpPr>
+            <p:cNvPr id="108" name="Овал 5"/>
+            <p:cNvSpPr/>
+            <p:nvPr/>
+          </p:nvSpPr>
+          <p:spPr>
+            <a:xfrm>
+              <a:off x="2699792" y="2268488"/>
+              <a:ext cx="1440160" cy="1368152"/>
+            </a:xfrm>
+            <a:prstGeom prst="ellipse">
+              <a:avLst/>
+            </a:prstGeom>
+            <a:noFill/>
+            <a:ln w="215900">
+              <a:solidFill>
+                <a:srgbClr val="FFC000"/>
+              </a:solidFill>
+              <a:prstDash val="sysDot"/>
+            </a:ln>
+          </p:spPr>
+          <p:style>
+            <a:lnRef idx="2">
+              <a:schemeClr val="accent1">
+                <a:shade val="50000"/>
+              </a:schemeClr>
+            </a:lnRef>
+            <a:fillRef idx="1">
+              <a:schemeClr val="accent1"/>
+            </a:fillRef>
+            <a:effectRef idx="0">
+              <a:schemeClr val="accent1"/>
+            </a:effectRef>
+            <a:fontRef idx="minor">
+              <a:schemeClr val="lt1"/>
+            </a:fontRef>
+          </p:style>
+          <p:txBody>
+            <a:bodyPr rot="0" spcFirstLastPara="0" vertOverflow="overflow" horzOverflow="overflow" vert="horz" wrap="square" lIns="91440" tIns="45720" rIns="91440" bIns="45720" numCol="1" spcCol="0" rtlCol="0" fromWordArt="0" anchor="t" anchorCtr="0" forceAA="0" compatLnSpc="1">
+              <a:prstTxWarp prst="textNoShape">
+                <a:avLst/>
+              </a:prstTxWarp>
+              <a:noAutofit/>
+            </a:bodyPr>
+            <a:lstStyle/>
+            <a:p>
+              <a:pPr algn="just"/>
+              <a:endParaRPr lang="uk-UA" dirty="0" err="1" smtClean="0">
+                <a:solidFill>
+                  <a:schemeClr val="bg1"/>
+                </a:solidFill>
+                <a:latin typeface="Arial" panose="020B0604020202020204" pitchFamily="34" charset="0"/>
+                <a:cs typeface="Arial" panose="020B0604020202020204" pitchFamily="34" charset="0"/>
+              </a:endParaRPr>
+            </a:p>
+          </p:txBody>
+        </p:sp>
+        <p:sp>
+          <p:nvSpPr>
+            <p:cNvPr id="109" name="Кольцо 6"/>
+            <p:cNvSpPr/>
+            <p:nvPr/>
+          </p:nvSpPr>
+          <p:spPr>
+            <a:xfrm>
+              <a:off x="5098058" y="1935280"/>
+              <a:ext cx="1440160" cy="1368152"/>
+            </a:xfrm>
+            <a:prstGeom prst="donut">
+              <a:avLst/>
+            </a:prstGeom>
+            <a:solidFill>
+              <a:srgbClr val="7030A0"/>
+            </a:solidFill>
+            <a:ln>
+              <a:noFill/>
+              <a:prstDash val="sysDash"/>
+            </a:ln>
+          </p:spPr>
+          <p:style>
+            <a:lnRef idx="2">
+              <a:schemeClr val="accent1">
+                <a:shade val="50000"/>
+              </a:schemeClr>
+            </a:lnRef>
+            <a:fillRef idx="1">
+              <a:schemeClr val="accent1"/>
+            </a:fillRef>
+            <a:effectRef idx="0">
+              <a:schemeClr val="accent1"/>
+            </a:effectRef>
+            <a:fontRef idx="minor">
+              <a:schemeClr val="lt1"/>
+            </a:fontRef>
+          </p:style>
+          <p:txBody>
+            <a:bodyPr rot="0" spcFirstLastPara="0" vertOverflow="overflow" horzOverflow="overflow" vert="horz" wrap="square" lIns="91440" tIns="45720" rIns="91440" bIns="45720" numCol="1" spcCol="0" rtlCol="0" fromWordArt="0" anchor="t" anchorCtr="0" forceAA="0" compatLnSpc="1">
+              <a:prstTxWarp prst="textNoShape">
+                <a:avLst/>
+              </a:prstTxWarp>
+              <a:noAutofit/>
+            </a:bodyPr>
+            <a:lstStyle/>
+            <a:p>
+              <a:pPr algn="just"/>
+              <a:endParaRPr lang="uk-UA" dirty="0" err="1" smtClean="0">
+                <a:solidFill>
+                  <a:schemeClr val="bg1"/>
+                </a:solidFill>
+                <a:latin typeface="Arial" panose="020B0604020202020204" pitchFamily="34" charset="0"/>
+                <a:cs typeface="Arial" panose="020B0604020202020204" pitchFamily="34" charset="0"/>
+              </a:endParaRPr>
+            </a:p>
+          </p:txBody>
+        </p:sp>
+        <p:sp>
+          <p:nvSpPr>
+            <p:cNvPr id="110" name="Овал 7"/>
+            <p:cNvSpPr/>
+            <p:nvPr/>
+          </p:nvSpPr>
+          <p:spPr>
+            <a:xfrm>
+              <a:off x="5098058" y="1935280"/>
+              <a:ext cx="1440160" cy="1368152"/>
+            </a:xfrm>
+            <a:prstGeom prst="ellipse">
+              <a:avLst/>
+            </a:prstGeom>
+            <a:noFill/>
+            <a:ln w="215900">
+              <a:solidFill>
+                <a:srgbClr val="7030A0"/>
+              </a:solidFill>
+              <a:prstDash val="sysDot"/>
+            </a:ln>
+          </p:spPr>
+          <p:style>
+            <a:lnRef idx="2">
+              <a:schemeClr val="accent1">
+                <a:shade val="50000"/>
+              </a:schemeClr>
+            </a:lnRef>
+            <a:fillRef idx="1">
+              <a:schemeClr val="accent1"/>
+            </a:fillRef>
+            <a:effectRef idx="0">
+              <a:schemeClr val="accent1"/>
+            </a:effectRef>
+            <a:fontRef idx="minor">
+              <a:schemeClr val="lt1"/>
+            </a:fontRef>
+          </p:style>
+          <p:txBody>
+            <a:bodyPr rot="0" spcFirstLastPara="0" vertOverflow="overflow" horzOverflow="overflow" vert="horz" wrap="square" lIns="91440" tIns="45720" rIns="91440" bIns="45720" numCol="1" spcCol="0" rtlCol="0" fromWordArt="0" anchor="t" anchorCtr="0" forceAA="0" compatLnSpc="1">
+              <a:prstTxWarp prst="textNoShape">
+                <a:avLst/>
+              </a:prstTxWarp>
+              <a:noAutofit/>
+            </a:bodyPr>
+            <a:lstStyle/>
+            <a:p>
+              <a:pPr algn="just"/>
+              <a:endParaRPr lang="uk-UA" dirty="0" err="1" smtClean="0">
+                <a:solidFill>
+                  <a:schemeClr val="bg1"/>
+                </a:solidFill>
+                <a:latin typeface="Arial" panose="020B0604020202020204" pitchFamily="34" charset="0"/>
+                <a:cs typeface="Arial" panose="020B0604020202020204" pitchFamily="34" charset="0"/>
+              </a:endParaRPr>
+            </a:p>
+          </p:txBody>
+        </p:sp>
+        <p:sp>
+          <p:nvSpPr>
+            <p:cNvPr id="111" name="Кольцо 12"/>
+            <p:cNvSpPr/>
+            <p:nvPr/>
+          </p:nvSpPr>
+          <p:spPr>
+            <a:xfrm>
+              <a:off x="4260718" y="2815743"/>
+              <a:ext cx="848994" cy="820897"/>
+            </a:xfrm>
+            <a:prstGeom prst="donut">
+              <a:avLst/>
+            </a:prstGeom>
+            <a:solidFill>
+              <a:srgbClr val="C00000"/>
+            </a:solidFill>
+            <a:ln>
+              <a:noFill/>
+              <a:prstDash val="sysDash"/>
+            </a:ln>
+          </p:spPr>
+          <p:style>
+            <a:lnRef idx="2">
+              <a:schemeClr val="accent1">
+                <a:shade val="50000"/>
+              </a:schemeClr>
+            </a:lnRef>
+            <a:fillRef idx="1">
+              <a:schemeClr val="accent1"/>
+            </a:fillRef>
+            <a:effectRef idx="0">
+              <a:schemeClr val="accent1"/>
+            </a:effectRef>
+            <a:fontRef idx="minor">
+              <a:schemeClr val="lt1"/>
+            </a:fontRef>
+          </p:style>
+          <p:txBody>
+            <a:bodyPr rot="0" spcFirstLastPara="0" vertOverflow="overflow" horzOverflow="overflow" vert="horz" wrap="square" lIns="91440" tIns="45720" rIns="91440" bIns="45720" numCol="1" spcCol="0" rtlCol="0" fromWordArt="0" anchor="t" anchorCtr="0" forceAA="0" compatLnSpc="1">
+              <a:prstTxWarp prst="textNoShape">
+                <a:avLst/>
+              </a:prstTxWarp>
+              <a:noAutofit/>
+            </a:bodyPr>
+            <a:lstStyle/>
+            <a:p>
+              <a:pPr algn="just"/>
+              <a:endParaRPr lang="uk-UA" dirty="0" err="1" smtClean="0">
+                <a:solidFill>
+                  <a:schemeClr val="bg1"/>
+                </a:solidFill>
+                <a:latin typeface="Arial" panose="020B0604020202020204" pitchFamily="34" charset="0"/>
+                <a:cs typeface="Arial" panose="020B0604020202020204" pitchFamily="34" charset="0"/>
+              </a:endParaRPr>
+            </a:p>
+          </p:txBody>
+        </p:sp>
+        <p:sp>
+          <p:nvSpPr>
+            <p:cNvPr id="112" name="Овал 13"/>
+            <p:cNvSpPr/>
+            <p:nvPr/>
+          </p:nvSpPr>
+          <p:spPr>
+            <a:xfrm>
+              <a:off x="4260718" y="2815743"/>
+              <a:ext cx="848994" cy="820897"/>
+            </a:xfrm>
+            <a:prstGeom prst="ellipse">
+              <a:avLst/>
+            </a:prstGeom>
+            <a:noFill/>
+            <a:ln w="215900">
+              <a:solidFill>
+                <a:srgbClr val="C00000"/>
+              </a:solidFill>
+              <a:prstDash val="sysDot"/>
+            </a:ln>
+          </p:spPr>
+          <p:style>
+            <a:lnRef idx="2">
+              <a:schemeClr val="accent1">
+                <a:shade val="50000"/>
+              </a:schemeClr>
+            </a:lnRef>
+            <a:fillRef idx="1">
+              <a:schemeClr val="accent1"/>
+            </a:fillRef>
+            <a:effectRef idx="0">
+              <a:schemeClr val="accent1"/>
+            </a:effectRef>
+            <a:fontRef idx="minor">
+              <a:schemeClr val="lt1"/>
+            </a:fontRef>
+          </p:style>
+          <p:txBody>
+            <a:bodyPr rot="0" spcFirstLastPara="0" vertOverflow="overflow" horzOverflow="overflow" vert="horz" wrap="square" lIns="91440" tIns="45720" rIns="91440" bIns="45720" numCol="1" spcCol="0" rtlCol="0" fromWordArt="0" anchor="t" anchorCtr="0" forceAA="0" compatLnSpc="1">
+              <a:prstTxWarp prst="textNoShape">
+                <a:avLst/>
+              </a:prstTxWarp>
+              <a:noAutofit/>
+            </a:bodyPr>
+            <a:lstStyle/>
+            <a:p>
+              <a:pPr algn="just"/>
+              <a:endParaRPr lang="uk-UA" dirty="0" err="1" smtClean="0">
+                <a:solidFill>
+                  <a:schemeClr val="bg1"/>
+                </a:solidFill>
+                <a:latin typeface="Arial" panose="020B0604020202020204" pitchFamily="34" charset="0"/>
+                <a:cs typeface="Arial" panose="020B0604020202020204" pitchFamily="34" charset="0"/>
+              </a:endParaRPr>
+            </a:p>
+          </p:txBody>
+        </p:sp>
+        <p:sp>
+          <p:nvSpPr>
+            <p:cNvPr id="113" name="Кольцо 15"/>
+            <p:cNvSpPr/>
+            <p:nvPr/>
+          </p:nvSpPr>
+          <p:spPr>
+            <a:xfrm rot="20941851">
+              <a:off x="1916918" y="1858040"/>
+              <a:ext cx="848994" cy="820897"/>
+            </a:xfrm>
+            <a:prstGeom prst="donut">
+              <a:avLst/>
+            </a:prstGeom>
+            <a:solidFill>
+              <a:srgbClr val="00B050"/>
+            </a:solidFill>
+            <a:ln>
+              <a:noFill/>
+              <a:prstDash val="sysDash"/>
+            </a:ln>
+          </p:spPr>
+          <p:style>
+            <a:lnRef idx="2">
+              <a:schemeClr val="accent1">
+                <a:shade val="50000"/>
+              </a:schemeClr>
+            </a:lnRef>
+            <a:fillRef idx="1">
+              <a:schemeClr val="accent1"/>
+            </a:fillRef>
+            <a:effectRef idx="0">
+              <a:schemeClr val="accent1"/>
+            </a:effectRef>
+            <a:fontRef idx="minor">
+              <a:schemeClr val="lt1"/>
+            </a:fontRef>
+          </p:style>
+          <p:txBody>
+            <a:bodyPr rot="0" spcFirstLastPara="0" vertOverflow="overflow" horzOverflow="overflow" vert="horz" wrap="square" lIns="91440" tIns="45720" rIns="91440" bIns="45720" numCol="1" spcCol="0" rtlCol="0" fromWordArt="0" anchor="t" anchorCtr="0" forceAA="0" compatLnSpc="1">
+              <a:prstTxWarp prst="textNoShape">
+                <a:avLst/>
+              </a:prstTxWarp>
+              <a:noAutofit/>
+            </a:bodyPr>
+            <a:lstStyle/>
+            <a:p>
+              <a:pPr algn="just"/>
+              <a:endParaRPr lang="uk-UA" dirty="0" err="1" smtClean="0">
+                <a:solidFill>
+                  <a:schemeClr val="bg1"/>
+                </a:solidFill>
+                <a:latin typeface="Arial" panose="020B0604020202020204" pitchFamily="34" charset="0"/>
+                <a:cs typeface="Arial" panose="020B0604020202020204" pitchFamily="34" charset="0"/>
+              </a:endParaRPr>
+            </a:p>
+          </p:txBody>
+        </p:sp>
+        <p:sp>
+          <p:nvSpPr>
+            <p:cNvPr id="114" name="Овал 16"/>
+            <p:cNvSpPr/>
+            <p:nvPr/>
+          </p:nvSpPr>
+          <p:spPr>
+            <a:xfrm rot="20941851">
+              <a:off x="1916918" y="1858040"/>
+              <a:ext cx="848994" cy="820897"/>
+            </a:xfrm>
+            <a:prstGeom prst="ellipse">
+              <a:avLst/>
+            </a:prstGeom>
+            <a:noFill/>
+            <a:ln w="215900">
+              <a:solidFill>
+                <a:srgbClr val="00B050"/>
+              </a:solidFill>
+              <a:prstDash val="sysDot"/>
+            </a:ln>
+          </p:spPr>
+          <p:style>
+            <a:lnRef idx="2">
+              <a:schemeClr val="accent1">
+                <a:shade val="50000"/>
+              </a:schemeClr>
+            </a:lnRef>
+            <a:fillRef idx="1">
+              <a:schemeClr val="accent1"/>
+            </a:fillRef>
+            <a:effectRef idx="0">
+              <a:schemeClr val="accent1"/>
+            </a:effectRef>
+            <a:fontRef idx="minor">
+              <a:schemeClr val="lt1"/>
+            </a:fontRef>
+          </p:style>
+          <p:txBody>
+            <a:bodyPr rot="0" spcFirstLastPara="0" vertOverflow="overflow" horzOverflow="overflow" vert="horz" wrap="square" lIns="91440" tIns="45720" rIns="91440" bIns="45720" numCol="1" spcCol="0" rtlCol="0" fromWordArt="0" anchor="t" anchorCtr="0" forceAA="0" compatLnSpc="1">
+              <a:prstTxWarp prst="textNoShape">
+                <a:avLst/>
+              </a:prstTxWarp>
+              <a:noAutofit/>
+            </a:bodyPr>
+            <a:lstStyle/>
+            <a:p>
+              <a:pPr algn="just"/>
+              <a:endParaRPr lang="uk-UA" dirty="0" err="1" smtClean="0">
+                <a:solidFill>
+                  <a:schemeClr val="bg1"/>
+                </a:solidFill>
+                <a:latin typeface="Arial" panose="020B0604020202020204" pitchFamily="34" charset="0"/>
+                <a:cs typeface="Arial" panose="020B0604020202020204" pitchFamily="34" charset="0"/>
+              </a:endParaRPr>
+            </a:p>
+          </p:txBody>
+        </p:sp>
+        <p:sp>
+          <p:nvSpPr>
+            <p:cNvPr id="115" name="Кольцо 18"/>
+            <p:cNvSpPr/>
+            <p:nvPr/>
+          </p:nvSpPr>
+          <p:spPr>
+            <a:xfrm>
+              <a:off x="6401123" y="2938160"/>
+              <a:ext cx="848994" cy="820897"/>
+            </a:xfrm>
+            <a:prstGeom prst="donut">
+              <a:avLst/>
+            </a:prstGeom>
+            <a:solidFill>
+              <a:srgbClr val="00B0F0"/>
+            </a:solidFill>
+            <a:ln>
+              <a:noFill/>
+              <a:prstDash val="sysDash"/>
+            </a:ln>
+          </p:spPr>
+          <p:style>
+            <a:lnRef idx="2">
+              <a:schemeClr val="accent1">
+                <a:shade val="50000"/>
+              </a:schemeClr>
+            </a:lnRef>
+            <a:fillRef idx="1">
+              <a:schemeClr val="accent1"/>
+            </a:fillRef>
+            <a:effectRef idx="0">
+              <a:schemeClr val="accent1"/>
+            </a:effectRef>
+            <a:fontRef idx="minor">
+              <a:schemeClr val="lt1"/>
+            </a:fontRef>
+          </p:style>
+          <p:txBody>
+            <a:bodyPr rot="0" spcFirstLastPara="0" vertOverflow="overflow" horzOverflow="overflow" vert="horz" wrap="square" lIns="91440" tIns="45720" rIns="91440" bIns="45720" numCol="1" spcCol="0" rtlCol="0" fromWordArt="0" anchor="t" anchorCtr="0" forceAA="0" compatLnSpc="1">
+              <a:prstTxWarp prst="textNoShape">
+                <a:avLst/>
+              </a:prstTxWarp>
+              <a:noAutofit/>
+            </a:bodyPr>
+            <a:lstStyle/>
+            <a:p>
+              <a:pPr algn="just"/>
+              <a:endParaRPr lang="uk-UA" dirty="0" err="1" smtClean="0">
+                <a:solidFill>
+                  <a:schemeClr val="bg1"/>
+                </a:solidFill>
+                <a:latin typeface="Arial" panose="020B0604020202020204" pitchFamily="34" charset="0"/>
+                <a:cs typeface="Arial" panose="020B0604020202020204" pitchFamily="34" charset="0"/>
+              </a:endParaRPr>
+            </a:p>
+          </p:txBody>
+        </p:sp>
+        <p:sp>
+          <p:nvSpPr>
+            <p:cNvPr id="116" name="Овал 19"/>
+            <p:cNvSpPr/>
+            <p:nvPr/>
+          </p:nvSpPr>
+          <p:spPr>
+            <a:xfrm>
+              <a:off x="6401123" y="2938160"/>
+              <a:ext cx="848994" cy="820897"/>
+            </a:xfrm>
+            <a:prstGeom prst="ellipse">
+              <a:avLst/>
+            </a:prstGeom>
+            <a:noFill/>
+            <a:ln w="215900">
+              <a:solidFill>
+                <a:srgbClr val="00B0F0"/>
+              </a:solidFill>
+              <a:prstDash val="sysDot"/>
+            </a:ln>
+          </p:spPr>
+          <p:style>
+            <a:lnRef idx="2">
+              <a:schemeClr val="accent1">
+                <a:shade val="50000"/>
+              </a:schemeClr>
+            </a:lnRef>
+            <a:fillRef idx="1">
+              <a:schemeClr val="accent1"/>
+            </a:fillRef>
+            <a:effectRef idx="0">
+              <a:schemeClr val="accent1"/>
+            </a:effectRef>
+            <a:fontRef idx="minor">
+              <a:schemeClr val="lt1"/>
+            </a:fontRef>
+          </p:style>
+          <p:txBody>
+            <a:bodyPr rot="0" spcFirstLastPara="0" vertOverflow="overflow" horzOverflow="overflow" vert="horz" wrap="square" lIns="91440" tIns="45720" rIns="91440" bIns="45720" numCol="1" spcCol="0" rtlCol="0" fromWordArt="0" anchor="t" anchorCtr="0" forceAA="0" compatLnSpc="1">
+              <a:prstTxWarp prst="textNoShape">
+                <a:avLst/>
+              </a:prstTxWarp>
+              <a:noAutofit/>
+            </a:bodyPr>
+            <a:lstStyle/>
+            <a:p>
+              <a:pPr algn="just"/>
+              <a:endParaRPr lang="uk-UA" dirty="0" err="1" smtClean="0">
+                <a:solidFill>
+                  <a:schemeClr val="bg1"/>
+                </a:solidFill>
+                <a:latin typeface="Arial" panose="020B0604020202020204" pitchFamily="34" charset="0"/>
+                <a:cs typeface="Arial" panose="020B0604020202020204" pitchFamily="34" charset="0"/>
+              </a:endParaRPr>
+            </a:p>
+          </p:txBody>
+        </p:sp>
+        <p:sp>
+          <p:nvSpPr>
+            <p:cNvPr id="117" name="Кольцо 22"/>
+            <p:cNvSpPr/>
+            <p:nvPr/>
+          </p:nvSpPr>
+          <p:spPr>
+            <a:xfrm>
+              <a:off x="4139952" y="1858039"/>
+              <a:ext cx="848994" cy="820897"/>
+            </a:xfrm>
+            <a:prstGeom prst="donut">
+              <a:avLst/>
+            </a:prstGeom>
+            <a:solidFill>
+              <a:srgbClr val="0070C0"/>
+            </a:solidFill>
+            <a:ln>
+              <a:noFill/>
+              <a:prstDash val="sysDash"/>
+            </a:ln>
+          </p:spPr>
+          <p:style>
+            <a:lnRef idx="2">
+              <a:schemeClr val="accent1">
+                <a:shade val="50000"/>
+              </a:schemeClr>
+            </a:lnRef>
+            <a:fillRef idx="1">
+              <a:schemeClr val="accent1"/>
+            </a:fillRef>
+            <a:effectRef idx="0">
+              <a:schemeClr val="accent1"/>
+            </a:effectRef>
+            <a:fontRef idx="minor">
+              <a:schemeClr val="lt1"/>
+            </a:fontRef>
+          </p:style>
+          <p:txBody>
+            <a:bodyPr rot="0" spcFirstLastPara="0" vertOverflow="overflow" horzOverflow="overflow" vert="horz" wrap="square" lIns="91440" tIns="45720" rIns="91440" bIns="45720" numCol="1" spcCol="0" rtlCol="0" fromWordArt="0" anchor="t" anchorCtr="0" forceAA="0" compatLnSpc="1">
+              <a:prstTxWarp prst="textNoShape">
+                <a:avLst/>
+              </a:prstTxWarp>
+              <a:noAutofit/>
+            </a:bodyPr>
+            <a:lstStyle/>
+            <a:p>
+              <a:pPr algn="just"/>
+              <a:endParaRPr lang="uk-UA" dirty="0" err="1" smtClean="0">
+                <a:solidFill>
+                  <a:schemeClr val="bg1"/>
+                </a:solidFill>
+                <a:latin typeface="Arial" panose="020B0604020202020204" pitchFamily="34" charset="0"/>
+                <a:cs typeface="Arial" panose="020B0604020202020204" pitchFamily="34" charset="0"/>
+              </a:endParaRPr>
+            </a:p>
+          </p:txBody>
+        </p:sp>
+        <p:sp>
+          <p:nvSpPr>
+            <p:cNvPr id="118" name="Овал 23"/>
+            <p:cNvSpPr/>
+            <p:nvPr/>
+          </p:nvSpPr>
+          <p:spPr>
+            <a:xfrm>
+              <a:off x="4139952" y="1858039"/>
+              <a:ext cx="848994" cy="820897"/>
+            </a:xfrm>
+            <a:prstGeom prst="ellipse">
+              <a:avLst/>
+            </a:prstGeom>
+            <a:noFill/>
+            <a:ln w="215900">
+              <a:solidFill>
+                <a:srgbClr val="0070C0"/>
+              </a:solidFill>
+              <a:prstDash val="sysDot"/>
+            </a:ln>
+          </p:spPr>
+          <p:style>
+            <a:lnRef idx="2">
+              <a:schemeClr val="accent1">
+                <a:shade val="50000"/>
+              </a:schemeClr>
+            </a:lnRef>
+            <a:fillRef idx="1">
+              <a:schemeClr val="accent1"/>
+            </a:fillRef>
+            <a:effectRef idx="0">
+              <a:schemeClr val="accent1"/>
+            </a:effectRef>
+            <a:fontRef idx="minor">
+              <a:schemeClr val="lt1"/>
+            </a:fontRef>
+          </p:style>
+          <p:txBody>
+            <a:bodyPr rot="0" spcFirstLastPara="0" vertOverflow="overflow" horzOverflow="overflow" vert="horz" wrap="square" lIns="91440" tIns="45720" rIns="91440" bIns="45720" numCol="1" spcCol="0" rtlCol="0" fromWordArt="0" anchor="t" anchorCtr="0" forceAA="0" compatLnSpc="1">
+              <a:prstTxWarp prst="textNoShape">
+                <a:avLst/>
+              </a:prstTxWarp>
+              <a:noAutofit/>
+            </a:bodyPr>
+            <a:lstStyle/>
+            <a:p>
+              <a:pPr algn="just"/>
+              <a:endParaRPr lang="uk-UA" dirty="0" err="1" smtClean="0">
                 <a:solidFill>
                   <a:schemeClr val="bg1"/>
                 </a:solidFill>
